--- a/docs/Dokumentation/luzius/luzius.pptx
+++ b/docs/Dokumentation/luzius/luzius.pptx
@@ -5,16 +5,24 @@
     <p:sldMasterId id="2147483648" r:id="rId1"/>
   </p:sldMasterIdLst>
   <p:sldIdLst>
-    <p:sldId id="257" r:id="rId2"/>
-    <p:sldId id="258" r:id="rId3"/>
-    <p:sldId id="259" r:id="rId4"/>
-    <p:sldId id="260" r:id="rId5"/>
-    <p:sldId id="261" r:id="rId6"/>
-    <p:sldId id="262" r:id="rId7"/>
-    <p:sldId id="263" r:id="rId8"/>
-    <p:sldId id="264" r:id="rId9"/>
-    <p:sldId id="265" r:id="rId10"/>
-    <p:sldId id="266" r:id="rId11"/>
+    <p:sldId id="267" r:id="rId2"/>
+    <p:sldId id="268" r:id="rId3"/>
+    <p:sldId id="269" r:id="rId4"/>
+    <p:sldId id="257" r:id="rId5"/>
+    <p:sldId id="258" r:id="rId6"/>
+    <p:sldId id="259" r:id="rId7"/>
+    <p:sldId id="260" r:id="rId8"/>
+    <p:sldId id="261" r:id="rId9"/>
+    <p:sldId id="262" r:id="rId10"/>
+    <p:sldId id="263" r:id="rId11"/>
+    <p:sldId id="264" r:id="rId12"/>
+    <p:sldId id="265" r:id="rId13"/>
+    <p:sldId id="266" r:id="rId14"/>
+    <p:sldId id="270" r:id="rId15"/>
+    <p:sldId id="271" r:id="rId16"/>
+    <p:sldId id="273" r:id="rId17"/>
+    <p:sldId id="274" r:id="rId18"/>
+    <p:sldId id="275" r:id="rId19"/>
   </p:sldIdLst>
   <p:sldSz cx="12192000" cy="6858000"/>
   <p:notesSz cx="6858000" cy="9144000"/>
@@ -3340,7 +3348,7 @@
           <p:cNvPr id="2" name="Titel 1">
             <a:extLst>
               <a:ext uri="{FF2B5EF4-FFF2-40B4-BE49-F238E27FC236}">
-                <a16:creationId xmlns:a16="http://schemas.microsoft.com/office/drawing/2014/main" id="{EFA08044-3C4F-4384-86CC-B089C21D9A45}"/>
+                <a16:creationId xmlns:a16="http://schemas.microsoft.com/office/drawing/2014/main" id="{3CFF0EAB-E32B-4D8E-B10E-F4D4205A5ABB}"/>
               </a:ext>
             </a:extLst>
           </p:cNvPr>
@@ -3358,7 +3366,7 @@
           <a:p>
             <a:r>
               <a:rPr lang="de-DE" dirty="0"/>
-              <a:t>Pflichtmodul: Spielerkonto</a:t>
+              <a:t>Pflichtmodul: Regeleinhaltung</a:t>
             </a:r>
           </a:p>
         </p:txBody>
@@ -3368,7 +3376,7 @@
           <p:cNvPr id="3" name="Inhaltsplatzhalter 2">
             <a:extLst>
               <a:ext uri="{FF2B5EF4-FFF2-40B4-BE49-F238E27FC236}">
-                <a16:creationId xmlns:a16="http://schemas.microsoft.com/office/drawing/2014/main" id="{75CA91B2-3B3E-482F-AA8D-D5BF9325A2A9}"/>
+                <a16:creationId xmlns:a16="http://schemas.microsoft.com/office/drawing/2014/main" id="{425BD7BA-2579-423D-8770-5585F02D8119}"/>
               </a:ext>
             </a:extLst>
           </p:cNvPr>
@@ -3388,12 +3396,8 @@
               <a:buNone/>
             </a:pPr>
             <a:r>
-              <a:rPr lang="de-DE" dirty="0" err="1"/>
-              <a:t>Aufbrechung</a:t>
-            </a:r>
-            <a:r>
-              <a:rPr lang="de-DE" dirty="0"/>
-              <a:t> in 2 Teilaufgaben:</a:t>
+              <a:rPr lang="de-DE" dirty="0"/>
+              <a:t>Ausgangsproblem: Der Spieler kann 10 mal die selbe Karte spielen</a:t>
             </a:r>
           </a:p>
           <a:p>
@@ -3403,30 +3407,12 @@
             <a:endParaRPr lang="de-DE" dirty="0"/>
           </a:p>
           <a:p>
-            <a:pPr marL="514350" indent="-514350">
-              <a:buFont typeface="+mj-lt"/>
-              <a:buAutoNum type="arabicPeriod"/>
+            <a:pPr marL="0" indent="0">
+              <a:buNone/>
             </a:pPr>
             <a:r>
               <a:rPr lang="de-DE" dirty="0"/>
-              <a:t>Speichern/Laden der letzten gespielten Kartenreihenfolge</a:t>
-            </a:r>
-          </a:p>
-          <a:p>
-            <a:pPr marL="514350" indent="-514350">
-              <a:buFont typeface="+mj-lt"/>
-              <a:buAutoNum type="arabicPeriod"/>
-            </a:pPr>
-            <a:endParaRPr lang="de-DE" dirty="0"/>
-          </a:p>
-          <a:p>
-            <a:pPr marL="514350" indent="-514350">
-              <a:buFont typeface="+mj-lt"/>
-              <a:buAutoNum type="arabicPeriod"/>
-            </a:pPr>
-            <a:r>
-              <a:rPr lang="de-DE" dirty="0"/>
-              <a:t>Keine doppelten Spielernamen in einem Spiel</a:t>
+              <a:t>Beispiel: 10 mal die Karte 10 wäre korrekt</a:t>
             </a:r>
           </a:p>
         </p:txBody>
@@ -3434,7 +3420,7 @@
     </p:spTree>
     <p:extLst>
       <p:ext uri="{BB962C8B-B14F-4D97-AF65-F5344CB8AC3E}">
-        <p14:creationId xmlns:p14="http://schemas.microsoft.com/office/powerpoint/2010/main" val="305076392"/>
+        <p14:creationId xmlns:p14="http://schemas.microsoft.com/office/powerpoint/2010/main" val="1763729765"/>
       </p:ext>
     </p:extLst>
   </p:cSld>
@@ -3466,6 +3452,449 @@
           <p:cNvPr id="2" name="Titel 1">
             <a:extLst>
               <a:ext uri="{FF2B5EF4-FFF2-40B4-BE49-F238E27FC236}">
+                <a16:creationId xmlns:a16="http://schemas.microsoft.com/office/drawing/2014/main" id="{3BB7F9E1-62E5-47C6-AA74-10DE20935323}"/>
+              </a:ext>
+            </a:extLst>
+          </p:cNvPr>
+          <p:cNvSpPr>
+            <a:spLocks noGrp="1"/>
+          </p:cNvSpPr>
+          <p:nvPr>
+            <p:ph type="title"/>
+          </p:nvPr>
+        </p:nvSpPr>
+        <p:spPr/>
+        <p:txBody>
+          <a:bodyPr/>
+          <a:lstStyle/>
+          <a:p>
+            <a:r>
+              <a:rPr lang="de-DE" dirty="0"/>
+              <a:t>Neuer Ansatz</a:t>
+            </a:r>
+          </a:p>
+        </p:txBody>
+      </p:sp>
+      <p:sp>
+        <p:nvSpPr>
+          <p:cNvPr id="3" name="Inhaltsplatzhalter 2">
+            <a:extLst>
+              <a:ext uri="{FF2B5EF4-FFF2-40B4-BE49-F238E27FC236}">
+                <a16:creationId xmlns:a16="http://schemas.microsoft.com/office/drawing/2014/main" id="{6B8F1E45-5F29-4F19-A1A5-5838BFD3BC9E}"/>
+              </a:ext>
+            </a:extLst>
+          </p:cNvPr>
+          <p:cNvSpPr>
+            <a:spLocks noGrp="1"/>
+          </p:cNvSpPr>
+          <p:nvPr>
+            <p:ph idx="1"/>
+          </p:nvPr>
+        </p:nvSpPr>
+        <p:spPr/>
+        <p:txBody>
+          <a:bodyPr/>
+          <a:lstStyle/>
+          <a:p>
+            <a:r>
+              <a:rPr lang="de-DE" dirty="0"/>
+              <a:t>Client überträgt Spielernamen bei initialem Verbindungsaufbau</a:t>
+            </a:r>
+          </a:p>
+          <a:p>
+            <a:r>
+              <a:rPr lang="de-DE" dirty="0"/>
+              <a:t>Server sammelt Namen bei Verbindungsaufbau</a:t>
+            </a:r>
+          </a:p>
+          <a:p>
+            <a:r>
+              <a:rPr lang="de-DE" dirty="0" err="1"/>
+              <a:t>Clienten</a:t>
+            </a:r>
+            <a:r>
+              <a:rPr lang="de-DE" dirty="0"/>
+              <a:t> mit doppelten Namen werden direkt </a:t>
+            </a:r>
+            <a:r>
+              <a:rPr lang="de-DE" dirty="0" err="1"/>
+              <a:t>rejected</a:t>
+            </a:r>
+            <a:endParaRPr lang="de-DE" dirty="0"/>
+          </a:p>
+          <a:p>
+            <a:r>
+              <a:rPr lang="de-DE" dirty="0"/>
+              <a:t>Konfiguration per .</a:t>
+            </a:r>
+            <a:r>
+              <a:rPr lang="de-DE" dirty="0" err="1"/>
+              <a:t>properties</a:t>
+            </a:r>
+            <a:r>
+              <a:rPr lang="de-DE" dirty="0"/>
+              <a:t> Dateien</a:t>
+            </a:r>
+          </a:p>
+          <a:p>
+            <a:pPr lvl="1"/>
+            <a:r>
+              <a:rPr lang="de-DE" dirty="0"/>
+              <a:t>Namensprüfung kann an und abgeschaltet werden</a:t>
+            </a:r>
+          </a:p>
+          <a:p>
+            <a:pPr lvl="1"/>
+            <a:r>
+              <a:rPr lang="de-DE" dirty="0"/>
+              <a:t>Kompatibilität mit originalem Client/Server</a:t>
+            </a:r>
+          </a:p>
+        </p:txBody>
+      </p:sp>
+    </p:spTree>
+    <p:extLst>
+      <p:ext uri="{BB962C8B-B14F-4D97-AF65-F5344CB8AC3E}">
+        <p14:creationId xmlns:p14="http://schemas.microsoft.com/office/powerpoint/2010/main" val="1646090321"/>
+      </p:ext>
+    </p:extLst>
+  </p:cSld>
+  <p:clrMapOvr>
+    <a:masterClrMapping/>
+  </p:clrMapOvr>
+</p:sld>
+</file>
+
+<file path=ppt/slides/slide11.xml><?xml version="1.0" encoding="utf-8"?>
+<p:sld xmlns:a="http://schemas.openxmlformats.org/drawingml/2006/main" xmlns:r="http://schemas.openxmlformats.org/officeDocument/2006/relationships" xmlns:p="http://schemas.openxmlformats.org/presentationml/2006/main">
+  <p:cSld>
+    <p:spTree>
+      <p:nvGrpSpPr>
+        <p:cNvPr id="1" name=""/>
+        <p:cNvGrpSpPr/>
+        <p:nvPr/>
+      </p:nvGrpSpPr>
+      <p:grpSpPr>
+        <a:xfrm>
+          <a:off x="0" y="0"/>
+          <a:ext cx="0" cy="0"/>
+          <a:chOff x="0" y="0"/>
+          <a:chExt cx="0" cy="0"/>
+        </a:xfrm>
+      </p:grpSpPr>
+      <p:pic>
+        <p:nvPicPr>
+          <p:cNvPr id="5" name="Grafik 4">
+            <a:extLst>
+              <a:ext uri="{FF2B5EF4-FFF2-40B4-BE49-F238E27FC236}">
+                <a16:creationId xmlns:a16="http://schemas.microsoft.com/office/drawing/2014/main" id="{C6232D1A-9F76-433D-8DFF-80DF8D9B488C}"/>
+              </a:ext>
+            </a:extLst>
+          </p:cNvPr>
+          <p:cNvPicPr>
+            <a:picLocks noChangeAspect="1"/>
+          </p:cNvPicPr>
+          <p:nvPr/>
+        </p:nvPicPr>
+        <p:blipFill>
+          <a:blip r:embed="rId2">
+            <a:extLst>
+              <a:ext uri="{28A0092B-C50C-407E-A947-70E740481C1C}">
+                <a14:useLocalDpi xmlns:a14="http://schemas.microsoft.com/office/drawing/2010/main" val="0"/>
+              </a:ext>
+            </a:extLst>
+          </a:blip>
+          <a:stretch>
+            <a:fillRect/>
+          </a:stretch>
+        </p:blipFill>
+        <p:spPr>
+          <a:xfrm>
+            <a:off x="1669408" y="0"/>
+            <a:ext cx="3998589" cy="6858000"/>
+          </a:xfrm>
+          <a:prstGeom prst="rect">
+            <a:avLst/>
+          </a:prstGeom>
+        </p:spPr>
+      </p:pic>
+      <p:pic>
+        <p:nvPicPr>
+          <p:cNvPr id="7" name="Grafik 6" descr="Ein Bild, das Text enthält.&#10;&#10;Automatisch generierte Beschreibung">
+            <a:extLst>
+              <a:ext uri="{FF2B5EF4-FFF2-40B4-BE49-F238E27FC236}">
+                <a16:creationId xmlns:a16="http://schemas.microsoft.com/office/drawing/2014/main" id="{691F1D2F-CB58-42E8-B92E-481C1BB95A67}"/>
+              </a:ext>
+            </a:extLst>
+          </p:cNvPr>
+          <p:cNvPicPr>
+            <a:picLocks noChangeAspect="1"/>
+          </p:cNvPicPr>
+          <p:nvPr/>
+        </p:nvPicPr>
+        <p:blipFill>
+          <a:blip r:embed="rId3">
+            <a:extLst>
+              <a:ext uri="{28A0092B-C50C-407E-A947-70E740481C1C}">
+                <a14:useLocalDpi xmlns:a14="http://schemas.microsoft.com/office/drawing/2010/main" val="0"/>
+              </a:ext>
+            </a:extLst>
+          </a:blip>
+          <a:stretch>
+            <a:fillRect/>
+          </a:stretch>
+        </p:blipFill>
+        <p:spPr>
+          <a:xfrm>
+            <a:off x="6524005" y="0"/>
+            <a:ext cx="2713485" cy="6858000"/>
+          </a:xfrm>
+          <a:prstGeom prst="rect">
+            <a:avLst/>
+          </a:prstGeom>
+        </p:spPr>
+      </p:pic>
+      <p:sp>
+        <p:nvSpPr>
+          <p:cNvPr id="8" name="Textfeld 7">
+            <a:extLst>
+              <a:ext uri="{FF2B5EF4-FFF2-40B4-BE49-F238E27FC236}">
+                <a16:creationId xmlns:a16="http://schemas.microsoft.com/office/drawing/2014/main" id="{D036E3AF-2873-4DF7-AFD0-7457D64AB623}"/>
+              </a:ext>
+            </a:extLst>
+          </p:cNvPr>
+          <p:cNvSpPr txBox="1"/>
+          <p:nvPr/>
+        </p:nvSpPr>
+        <p:spPr>
+          <a:xfrm>
+            <a:off x="148094" y="3075057"/>
+            <a:ext cx="1521314" cy="707886"/>
+          </a:xfrm>
+          <a:prstGeom prst="rect">
+            <a:avLst/>
+          </a:prstGeom>
+          <a:noFill/>
+        </p:spPr>
+        <p:txBody>
+          <a:bodyPr wrap="none" rtlCol="0">
+            <a:spAutoFit/>
+          </a:bodyPr>
+          <a:lstStyle/>
+          <a:p>
+            <a:r>
+              <a:rPr lang="de-DE" sz="4000" dirty="0"/>
+              <a:t>Server</a:t>
+            </a:r>
+          </a:p>
+        </p:txBody>
+      </p:sp>
+      <p:sp>
+        <p:nvSpPr>
+          <p:cNvPr id="9" name="Textfeld 8">
+            <a:extLst>
+              <a:ext uri="{FF2B5EF4-FFF2-40B4-BE49-F238E27FC236}">
+                <a16:creationId xmlns:a16="http://schemas.microsoft.com/office/drawing/2014/main" id="{2BE1FE13-802B-4B71-8D66-1D54D30E7D46}"/>
+              </a:ext>
+            </a:extLst>
+          </p:cNvPr>
+          <p:cNvSpPr txBox="1"/>
+          <p:nvPr/>
+        </p:nvSpPr>
+        <p:spPr>
+          <a:xfrm>
+            <a:off x="10093498" y="3075057"/>
+            <a:ext cx="1383777" cy="707886"/>
+          </a:xfrm>
+          <a:prstGeom prst="rect">
+            <a:avLst/>
+          </a:prstGeom>
+          <a:noFill/>
+        </p:spPr>
+        <p:txBody>
+          <a:bodyPr wrap="none" rtlCol="0">
+            <a:spAutoFit/>
+          </a:bodyPr>
+          <a:lstStyle/>
+          <a:p>
+            <a:r>
+              <a:rPr lang="de-DE" sz="4000" dirty="0"/>
+              <a:t>Client</a:t>
+            </a:r>
+          </a:p>
+        </p:txBody>
+      </p:sp>
+    </p:spTree>
+    <p:extLst>
+      <p:ext uri="{BB962C8B-B14F-4D97-AF65-F5344CB8AC3E}">
+        <p14:creationId xmlns:p14="http://schemas.microsoft.com/office/powerpoint/2010/main" val="3580726847"/>
+      </p:ext>
+    </p:extLst>
+  </p:cSld>
+  <p:clrMapOvr>
+    <a:masterClrMapping/>
+  </p:clrMapOvr>
+</p:sld>
+</file>
+
+<file path=ppt/slides/slide12.xml><?xml version="1.0" encoding="utf-8"?>
+<p:sld xmlns:a="http://schemas.openxmlformats.org/drawingml/2006/main" xmlns:r="http://schemas.openxmlformats.org/officeDocument/2006/relationships" xmlns:p="http://schemas.openxmlformats.org/presentationml/2006/main">
+  <p:cSld>
+    <p:spTree>
+      <p:nvGrpSpPr>
+        <p:cNvPr id="1" name=""/>
+        <p:cNvGrpSpPr/>
+        <p:nvPr/>
+      </p:nvGrpSpPr>
+      <p:grpSpPr>
+        <a:xfrm>
+          <a:off x="0" y="0"/>
+          <a:ext cx="0" cy="0"/>
+          <a:chOff x="0" y="0"/>
+          <a:chExt cx="0" cy="0"/>
+        </a:xfrm>
+      </p:grpSpPr>
+      <p:sp>
+        <p:nvSpPr>
+          <p:cNvPr id="2" name="Titel 1">
+            <a:extLst>
+              <a:ext uri="{FF2B5EF4-FFF2-40B4-BE49-F238E27FC236}">
+                <a16:creationId xmlns:a16="http://schemas.microsoft.com/office/drawing/2014/main" id="{003B94DF-DF32-4707-853E-0124AAF93CAC}"/>
+              </a:ext>
+            </a:extLst>
+          </p:cNvPr>
+          <p:cNvSpPr>
+            <a:spLocks noGrp="1"/>
+          </p:cNvSpPr>
+          <p:nvPr>
+            <p:ph type="title"/>
+          </p:nvPr>
+        </p:nvSpPr>
+        <p:spPr/>
+        <p:txBody>
+          <a:bodyPr/>
+          <a:lstStyle/>
+          <a:p>
+            <a:r>
+              <a:rPr lang="de-DE" dirty="0" err="1"/>
+              <a:t>Optionalmodul</a:t>
+            </a:r>
+            <a:r>
+              <a:rPr lang="de-DE" dirty="0"/>
+              <a:t>: Logging</a:t>
+            </a:r>
+          </a:p>
+        </p:txBody>
+      </p:sp>
+      <p:sp>
+        <p:nvSpPr>
+          <p:cNvPr id="3" name="Inhaltsplatzhalter 2">
+            <a:extLst>
+              <a:ext uri="{FF2B5EF4-FFF2-40B4-BE49-F238E27FC236}">
+                <a16:creationId xmlns:a16="http://schemas.microsoft.com/office/drawing/2014/main" id="{974D9E67-48AD-4344-B3DB-DDC857589AA5}"/>
+              </a:ext>
+            </a:extLst>
+          </p:cNvPr>
+          <p:cNvSpPr>
+            <a:spLocks noGrp="1"/>
+          </p:cNvSpPr>
+          <p:nvPr>
+            <p:ph idx="1"/>
+          </p:nvPr>
+        </p:nvSpPr>
+        <p:spPr/>
+        <p:txBody>
+          <a:bodyPr/>
+          <a:lstStyle/>
+          <a:p>
+            <a:r>
+              <a:rPr lang="de-DE" dirty="0" err="1"/>
+              <a:t>Java.util.logger</a:t>
+            </a:r>
+            <a:r>
+              <a:rPr lang="de-DE" dirty="0"/>
+              <a:t> verwendet</a:t>
+            </a:r>
+          </a:p>
+          <a:p>
+            <a:r>
+              <a:rPr lang="de-DE" dirty="0"/>
+              <a:t>Per .</a:t>
+            </a:r>
+            <a:r>
+              <a:rPr lang="de-DE" dirty="0" err="1"/>
+              <a:t>properties</a:t>
+            </a:r>
+            <a:r>
+              <a:rPr lang="de-DE" dirty="0"/>
+              <a:t> Datei konfiguriert</a:t>
+            </a:r>
+          </a:p>
+          <a:p>
+            <a:r>
+              <a:rPr lang="de-DE" dirty="0"/>
+              <a:t>System.out.println ersetzt</a:t>
+            </a:r>
+          </a:p>
+          <a:p>
+            <a:pPr lvl="1"/>
+            <a:r>
+              <a:rPr lang="de-DE" dirty="0"/>
+              <a:t>Unterschieden zwischen Debug-/ und Spielinformationen</a:t>
+            </a:r>
+          </a:p>
+          <a:p>
+            <a:pPr lvl="1"/>
+            <a:r>
+              <a:rPr lang="de-DE" dirty="0"/>
+              <a:t>Spielinformationen weiter ohne </a:t>
+            </a:r>
+            <a:r>
+              <a:rPr lang="de-DE" dirty="0" err="1"/>
+              <a:t>logger</a:t>
+            </a:r>
+            <a:r>
+              <a:rPr lang="de-DE" dirty="0"/>
+              <a:t> ausgegeben</a:t>
+            </a:r>
+          </a:p>
+        </p:txBody>
+      </p:sp>
+    </p:spTree>
+    <p:extLst>
+      <p:ext uri="{BB962C8B-B14F-4D97-AF65-F5344CB8AC3E}">
+        <p14:creationId xmlns:p14="http://schemas.microsoft.com/office/powerpoint/2010/main" val="2173208109"/>
+      </p:ext>
+    </p:extLst>
+  </p:cSld>
+  <p:clrMapOvr>
+    <a:masterClrMapping/>
+  </p:clrMapOvr>
+</p:sld>
+</file>
+
+<file path=ppt/slides/slide13.xml><?xml version="1.0" encoding="utf-8"?>
+<p:sld xmlns:a="http://schemas.openxmlformats.org/drawingml/2006/main" xmlns:r="http://schemas.openxmlformats.org/officeDocument/2006/relationships" xmlns:p="http://schemas.openxmlformats.org/presentationml/2006/main">
+  <p:cSld>
+    <p:spTree>
+      <p:nvGrpSpPr>
+        <p:cNvPr id="1" name=""/>
+        <p:cNvGrpSpPr/>
+        <p:nvPr/>
+      </p:nvGrpSpPr>
+      <p:grpSpPr>
+        <a:xfrm>
+          <a:off x="0" y="0"/>
+          <a:ext cx="0" cy="0"/>
+          <a:chOff x="0" y="0"/>
+          <a:chExt cx="0" cy="0"/>
+        </a:xfrm>
+      </p:grpSpPr>
+      <p:sp>
+        <p:nvSpPr>
+          <p:cNvPr id="2" name="Titel 1">
+            <a:extLst>
+              <a:ext uri="{FF2B5EF4-FFF2-40B4-BE49-F238E27FC236}">
                 <a16:creationId xmlns:a16="http://schemas.microsoft.com/office/drawing/2014/main" id="{100CF72D-4C6F-4D44-9699-227C0198DC26}"/>
               </a:ext>
             </a:extLst>
@@ -3575,6 +4004,1705 @@
     <p:extLst>
       <p:ext uri="{BB962C8B-B14F-4D97-AF65-F5344CB8AC3E}">
         <p14:creationId xmlns:p14="http://schemas.microsoft.com/office/powerpoint/2010/main" val="1528658156"/>
+      </p:ext>
+    </p:extLst>
+  </p:cSld>
+  <p:clrMapOvr>
+    <a:masterClrMapping/>
+  </p:clrMapOvr>
+</p:sld>
+</file>
+
+<file path=ppt/slides/slide14.xml><?xml version="1.0" encoding="utf-8"?>
+<p:sld xmlns:a="http://schemas.openxmlformats.org/drawingml/2006/main" xmlns:r="http://schemas.openxmlformats.org/officeDocument/2006/relationships" xmlns:p="http://schemas.openxmlformats.org/presentationml/2006/main">
+  <p:cSld>
+    <p:spTree>
+      <p:nvGrpSpPr>
+        <p:cNvPr id="1" name=""/>
+        <p:cNvGrpSpPr/>
+        <p:nvPr/>
+      </p:nvGrpSpPr>
+      <p:grpSpPr>
+        <a:xfrm>
+          <a:off x="0" y="0"/>
+          <a:ext cx="0" cy="0"/>
+          <a:chOff x="0" y="0"/>
+          <a:chExt cx="0" cy="0"/>
+        </a:xfrm>
+      </p:grpSpPr>
+      <p:sp>
+        <p:nvSpPr>
+          <p:cNvPr id="2" name="Titel 1">
+            <a:extLst>
+              <a:ext uri="{FF2B5EF4-FFF2-40B4-BE49-F238E27FC236}">
+                <a16:creationId xmlns:a16="http://schemas.microsoft.com/office/drawing/2014/main" id="{86E95D4E-499F-4574-9FCC-C57C77131568}"/>
+              </a:ext>
+            </a:extLst>
+          </p:cNvPr>
+          <p:cNvSpPr>
+            <a:spLocks noGrp="1"/>
+          </p:cNvSpPr>
+          <p:nvPr>
+            <p:ph type="title"/>
+          </p:nvPr>
+        </p:nvSpPr>
+        <p:spPr/>
+        <p:txBody>
+          <a:bodyPr/>
+          <a:lstStyle/>
+          <a:p>
+            <a:r>
+              <a:rPr lang="de-DE" dirty="0"/>
+              <a:t>Dokumentation</a:t>
+            </a:r>
+          </a:p>
+        </p:txBody>
+      </p:sp>
+      <p:sp>
+        <p:nvSpPr>
+          <p:cNvPr id="3" name="Inhaltsplatzhalter 2">
+            <a:extLst>
+              <a:ext uri="{FF2B5EF4-FFF2-40B4-BE49-F238E27FC236}">
+                <a16:creationId xmlns:a16="http://schemas.microsoft.com/office/drawing/2014/main" id="{B0516AF4-D6DC-45AF-A64C-1966BC404007}"/>
+              </a:ext>
+            </a:extLst>
+          </p:cNvPr>
+          <p:cNvSpPr>
+            <a:spLocks noGrp="1"/>
+          </p:cNvSpPr>
+          <p:nvPr>
+            <p:ph sz="half" idx="1"/>
+          </p:nvPr>
+        </p:nvSpPr>
+        <p:spPr/>
+        <p:txBody>
+          <a:bodyPr>
+            <a:normAutofit lnSpcReduction="10000"/>
+          </a:bodyPr>
+          <a:lstStyle/>
+          <a:p>
+            <a:pPr marL="0" indent="0">
+              <a:buNone/>
+            </a:pPr>
+            <a:r>
+              <a:rPr lang="de-DE" dirty="0"/>
+              <a:t>Grobe Struktur:</a:t>
+            </a:r>
+          </a:p>
+          <a:p>
+            <a:r>
+              <a:rPr lang="de-DE" dirty="0"/>
+              <a:t>Einleitung</a:t>
+            </a:r>
+          </a:p>
+          <a:p>
+            <a:r>
+              <a:rPr lang="de-DE" dirty="0"/>
+              <a:t>Planungsphase</a:t>
+            </a:r>
+          </a:p>
+          <a:p>
+            <a:r>
+              <a:rPr lang="de-DE" dirty="0"/>
+              <a:t>Analysephase</a:t>
+            </a:r>
+          </a:p>
+          <a:p>
+            <a:r>
+              <a:rPr lang="de-DE" dirty="0"/>
+              <a:t>Entwurfsphase</a:t>
+            </a:r>
+          </a:p>
+          <a:p>
+            <a:r>
+              <a:rPr lang="de-DE" dirty="0"/>
+              <a:t>Implementierungsphase</a:t>
+            </a:r>
+          </a:p>
+          <a:p>
+            <a:r>
+              <a:rPr lang="de-DE" dirty="0"/>
+              <a:t>Testphase</a:t>
+            </a:r>
+          </a:p>
+          <a:p>
+            <a:r>
+              <a:rPr lang="de-DE" dirty="0"/>
+              <a:t>Dokumentation</a:t>
+            </a:r>
+          </a:p>
+          <a:p>
+            <a:r>
+              <a:rPr lang="de-DE" dirty="0"/>
+              <a:t>Fazit</a:t>
+            </a:r>
+          </a:p>
+        </p:txBody>
+      </p:sp>
+      <p:pic>
+        <p:nvPicPr>
+          <p:cNvPr id="6" name="Grafik 5">
+            <a:extLst>
+              <a:ext uri="{FF2B5EF4-FFF2-40B4-BE49-F238E27FC236}">
+                <a16:creationId xmlns:a16="http://schemas.microsoft.com/office/drawing/2014/main" id="{84FD135D-9EC3-4902-80AE-C84884904D7F}"/>
+              </a:ext>
+            </a:extLst>
+          </p:cNvPr>
+          <p:cNvPicPr>
+            <a:picLocks noChangeAspect="1"/>
+          </p:cNvPicPr>
+          <p:nvPr/>
+        </p:nvPicPr>
+        <p:blipFill>
+          <a:blip r:embed="rId2">
+            <a:extLst>
+              <a:ext uri="{28A0092B-C50C-407E-A947-70E740481C1C}">
+                <a14:useLocalDpi xmlns:a14="http://schemas.microsoft.com/office/drawing/2010/main" val="0"/>
+              </a:ext>
+            </a:extLst>
+          </a:blip>
+          <a:stretch>
+            <a:fillRect/>
+          </a:stretch>
+        </p:blipFill>
+        <p:spPr>
+          <a:xfrm>
+            <a:off x="6678427" y="547352"/>
+            <a:ext cx="4224604" cy="5763296"/>
+          </a:xfrm>
+          <a:prstGeom prst="rect">
+            <a:avLst/>
+          </a:prstGeom>
+        </p:spPr>
+      </p:pic>
+    </p:spTree>
+    <p:extLst>
+      <p:ext uri="{BB962C8B-B14F-4D97-AF65-F5344CB8AC3E}">
+        <p14:creationId xmlns:p14="http://schemas.microsoft.com/office/powerpoint/2010/main" val="4086352904"/>
+      </p:ext>
+    </p:extLst>
+  </p:cSld>
+  <p:clrMapOvr>
+    <a:masterClrMapping/>
+  </p:clrMapOvr>
+</p:sld>
+</file>
+
+<file path=ppt/slides/slide15.xml><?xml version="1.0" encoding="utf-8"?>
+<p:sld xmlns:a="http://schemas.openxmlformats.org/drawingml/2006/main" xmlns:r="http://schemas.openxmlformats.org/officeDocument/2006/relationships" xmlns:p="http://schemas.openxmlformats.org/presentationml/2006/main">
+  <p:cSld>
+    <p:spTree>
+      <p:nvGrpSpPr>
+        <p:cNvPr id="1" name=""/>
+        <p:cNvGrpSpPr/>
+        <p:nvPr/>
+      </p:nvGrpSpPr>
+      <p:grpSpPr>
+        <a:xfrm>
+          <a:off x="0" y="0"/>
+          <a:ext cx="0" cy="0"/>
+          <a:chOff x="0" y="0"/>
+          <a:chExt cx="0" cy="0"/>
+        </a:xfrm>
+      </p:grpSpPr>
+      <p:sp>
+        <p:nvSpPr>
+          <p:cNvPr id="7" name="Rechteck 6">
+            <a:extLst>
+              <a:ext uri="{FF2B5EF4-FFF2-40B4-BE49-F238E27FC236}">
+                <a16:creationId xmlns:a16="http://schemas.microsoft.com/office/drawing/2014/main" id="{4CE2602E-9700-4A1B-AECB-6B8BD9B88F49}"/>
+              </a:ext>
+            </a:extLst>
+          </p:cNvPr>
+          <p:cNvSpPr/>
+          <p:nvPr/>
+        </p:nvSpPr>
+        <p:spPr>
+          <a:xfrm>
+            <a:off x="5742908" y="-189963"/>
+            <a:ext cx="244699" cy="7237926"/>
+          </a:xfrm>
+          <a:prstGeom prst="rect">
+            <a:avLst/>
+          </a:prstGeom>
+          <a:solidFill>
+            <a:schemeClr val="bg2">
+              <a:lumMod val="50000"/>
+            </a:schemeClr>
+          </a:solidFill>
+          <a:ln>
+            <a:solidFill>
+              <a:schemeClr val="tx1">
+                <a:lumMod val="65000"/>
+                <a:lumOff val="35000"/>
+              </a:schemeClr>
+            </a:solidFill>
+          </a:ln>
+        </p:spPr>
+        <p:style>
+          <a:lnRef idx="2">
+            <a:schemeClr val="accent1">
+              <a:shade val="50000"/>
+            </a:schemeClr>
+          </a:lnRef>
+          <a:fillRef idx="1">
+            <a:schemeClr val="accent1"/>
+          </a:fillRef>
+          <a:effectRef idx="0">
+            <a:schemeClr val="accent1"/>
+          </a:effectRef>
+          <a:fontRef idx="minor">
+            <a:schemeClr val="lt1"/>
+          </a:fontRef>
+        </p:style>
+        <p:txBody>
+          <a:bodyPr rtlCol="0" anchor="ctr"/>
+          <a:lstStyle/>
+          <a:p>
+            <a:pPr algn="ctr"/>
+            <a:endParaRPr lang="de-DE"/>
+          </a:p>
+        </p:txBody>
+      </p:sp>
+      <p:cxnSp>
+        <p:nvCxnSpPr>
+          <p:cNvPr id="8" name="Gerader Verbinder 7">
+            <a:extLst>
+              <a:ext uri="{FF2B5EF4-FFF2-40B4-BE49-F238E27FC236}">
+                <a16:creationId xmlns:a16="http://schemas.microsoft.com/office/drawing/2014/main" id="{275BE67F-42F0-4D8E-BC0A-5EDB9C6BAE45}"/>
+              </a:ext>
+            </a:extLst>
+          </p:cNvPr>
+          <p:cNvCxnSpPr>
+            <a:cxnSpLocks/>
+          </p:cNvCxnSpPr>
+          <p:nvPr/>
+        </p:nvCxnSpPr>
+        <p:spPr>
+          <a:xfrm>
+            <a:off x="5491769" y="3541689"/>
+            <a:ext cx="5854518" cy="0"/>
+          </a:xfrm>
+          <a:prstGeom prst="line">
+            <a:avLst/>
+          </a:prstGeom>
+          <a:ln w="28575"/>
+        </p:spPr>
+        <p:style>
+          <a:lnRef idx="3">
+            <a:schemeClr val="dk1"/>
+          </a:lnRef>
+          <a:fillRef idx="0">
+            <a:schemeClr val="dk1"/>
+          </a:fillRef>
+          <a:effectRef idx="2">
+            <a:schemeClr val="dk1"/>
+          </a:effectRef>
+          <a:fontRef idx="minor">
+            <a:schemeClr val="tx1"/>
+          </a:fontRef>
+        </p:style>
+      </p:cxnSp>
+      <p:cxnSp>
+        <p:nvCxnSpPr>
+          <p:cNvPr id="9" name="Gerader Verbinder 8">
+            <a:extLst>
+              <a:ext uri="{FF2B5EF4-FFF2-40B4-BE49-F238E27FC236}">
+                <a16:creationId xmlns:a16="http://schemas.microsoft.com/office/drawing/2014/main" id="{FCF4B4D2-2896-4B3C-B9C0-9B51AC7473BE}"/>
+              </a:ext>
+            </a:extLst>
+          </p:cNvPr>
+          <p:cNvCxnSpPr>
+            <a:cxnSpLocks/>
+          </p:cNvCxnSpPr>
+          <p:nvPr/>
+        </p:nvCxnSpPr>
+        <p:spPr>
+          <a:xfrm>
+            <a:off x="402467" y="564523"/>
+            <a:ext cx="5854518" cy="0"/>
+          </a:xfrm>
+          <a:prstGeom prst="line">
+            <a:avLst/>
+          </a:prstGeom>
+          <a:ln w="28575"/>
+        </p:spPr>
+        <p:style>
+          <a:lnRef idx="3">
+            <a:schemeClr val="dk1"/>
+          </a:lnRef>
+          <a:fillRef idx="0">
+            <a:schemeClr val="dk1"/>
+          </a:fillRef>
+          <a:effectRef idx="2">
+            <a:schemeClr val="dk1"/>
+          </a:effectRef>
+          <a:fontRef idx="minor">
+            <a:schemeClr val="tx1"/>
+          </a:fontRef>
+        </p:style>
+      </p:cxnSp>
+      <p:sp>
+        <p:nvSpPr>
+          <p:cNvPr id="12" name="Inhaltsplatzhalter 2">
+            <a:extLst>
+              <a:ext uri="{FF2B5EF4-FFF2-40B4-BE49-F238E27FC236}">
+                <a16:creationId xmlns:a16="http://schemas.microsoft.com/office/drawing/2014/main" id="{8C723BCC-7FC4-4F4D-B261-CC40478CAA42}"/>
+              </a:ext>
+            </a:extLst>
+          </p:cNvPr>
+          <p:cNvSpPr txBox="1">
+            <a:spLocks/>
+          </p:cNvSpPr>
+          <p:nvPr/>
+        </p:nvSpPr>
+        <p:spPr>
+          <a:xfrm>
+            <a:off x="6620631" y="3781445"/>
+            <a:ext cx="10340662" cy="4351338"/>
+          </a:xfrm>
+          <a:prstGeom prst="rect">
+            <a:avLst/>
+          </a:prstGeom>
+        </p:spPr>
+        <p:txBody>
+          <a:bodyPr vert="horz" lIns="91440" tIns="45720" rIns="91440" bIns="45720" rtlCol="0">
+            <a:normAutofit/>
+          </a:bodyPr>
+          <a:lstStyle>
+            <a:lvl1pPr marL="228600" indent="-228600" algn="l" defTabSz="914400" rtl="0" eaLnBrk="1" latinLnBrk="0" hangingPunct="1">
+              <a:lnSpc>
+                <a:spcPct val="90000"/>
+              </a:lnSpc>
+              <a:spcBef>
+                <a:spcPts val="1000"/>
+              </a:spcBef>
+              <a:buFont typeface="Arial" panose="020B0604020202020204" pitchFamily="34" charset="0"/>
+              <a:buChar char="•"/>
+              <a:defRPr sz="2800" kern="1200">
+                <a:solidFill>
+                  <a:schemeClr val="tx1"/>
+                </a:solidFill>
+                <a:latin typeface="+mn-lt"/>
+                <a:ea typeface="+mn-ea"/>
+                <a:cs typeface="+mn-cs"/>
+              </a:defRPr>
+            </a:lvl1pPr>
+            <a:lvl2pPr marL="685800" indent="-228600" algn="l" defTabSz="914400" rtl="0" eaLnBrk="1" latinLnBrk="0" hangingPunct="1">
+              <a:lnSpc>
+                <a:spcPct val="90000"/>
+              </a:lnSpc>
+              <a:spcBef>
+                <a:spcPts val="500"/>
+              </a:spcBef>
+              <a:buFont typeface="Arial" panose="020B0604020202020204" pitchFamily="34" charset="0"/>
+              <a:buChar char="•"/>
+              <a:defRPr sz="2400" kern="1200">
+                <a:solidFill>
+                  <a:schemeClr val="tx1"/>
+                </a:solidFill>
+                <a:latin typeface="+mn-lt"/>
+                <a:ea typeface="+mn-ea"/>
+                <a:cs typeface="+mn-cs"/>
+              </a:defRPr>
+            </a:lvl2pPr>
+            <a:lvl3pPr marL="1143000" indent="-228600" algn="l" defTabSz="914400" rtl="0" eaLnBrk="1" latinLnBrk="0" hangingPunct="1">
+              <a:lnSpc>
+                <a:spcPct val="90000"/>
+              </a:lnSpc>
+              <a:spcBef>
+                <a:spcPts val="500"/>
+              </a:spcBef>
+              <a:buFont typeface="Arial" panose="020B0604020202020204" pitchFamily="34" charset="0"/>
+              <a:buChar char="•"/>
+              <a:defRPr sz="2000" kern="1200">
+                <a:solidFill>
+                  <a:schemeClr val="tx1"/>
+                </a:solidFill>
+                <a:latin typeface="+mn-lt"/>
+                <a:ea typeface="+mn-ea"/>
+                <a:cs typeface="+mn-cs"/>
+              </a:defRPr>
+            </a:lvl3pPr>
+            <a:lvl4pPr marL="1600200" indent="-228600" algn="l" defTabSz="914400" rtl="0" eaLnBrk="1" latinLnBrk="0" hangingPunct="1">
+              <a:lnSpc>
+                <a:spcPct val="90000"/>
+              </a:lnSpc>
+              <a:spcBef>
+                <a:spcPts val="500"/>
+              </a:spcBef>
+              <a:buFont typeface="Arial" panose="020B0604020202020204" pitchFamily="34" charset="0"/>
+              <a:buChar char="•"/>
+              <a:defRPr sz="1800" kern="1200">
+                <a:solidFill>
+                  <a:schemeClr val="tx1"/>
+                </a:solidFill>
+                <a:latin typeface="+mn-lt"/>
+                <a:ea typeface="+mn-ea"/>
+                <a:cs typeface="+mn-cs"/>
+              </a:defRPr>
+            </a:lvl4pPr>
+            <a:lvl5pPr marL="2057400" indent="-228600" algn="l" defTabSz="914400" rtl="0" eaLnBrk="1" latinLnBrk="0" hangingPunct="1">
+              <a:lnSpc>
+                <a:spcPct val="90000"/>
+              </a:lnSpc>
+              <a:spcBef>
+                <a:spcPts val="500"/>
+              </a:spcBef>
+              <a:buFont typeface="Arial" panose="020B0604020202020204" pitchFamily="34" charset="0"/>
+              <a:buChar char="•"/>
+              <a:defRPr sz="1800" kern="1200">
+                <a:solidFill>
+                  <a:schemeClr val="tx1"/>
+                </a:solidFill>
+                <a:latin typeface="+mn-lt"/>
+                <a:ea typeface="+mn-ea"/>
+                <a:cs typeface="+mn-cs"/>
+              </a:defRPr>
+            </a:lvl5pPr>
+            <a:lvl6pPr marL="2514600" indent="-228600" algn="l" defTabSz="914400" rtl="0" eaLnBrk="1" latinLnBrk="0" hangingPunct="1">
+              <a:lnSpc>
+                <a:spcPct val="90000"/>
+              </a:lnSpc>
+              <a:spcBef>
+                <a:spcPts val="500"/>
+              </a:spcBef>
+              <a:buFont typeface="Arial" panose="020B0604020202020204" pitchFamily="34" charset="0"/>
+              <a:buChar char="•"/>
+              <a:defRPr sz="1800" kern="1200">
+                <a:solidFill>
+                  <a:schemeClr val="tx1"/>
+                </a:solidFill>
+                <a:latin typeface="+mn-lt"/>
+                <a:ea typeface="+mn-ea"/>
+                <a:cs typeface="+mn-cs"/>
+              </a:defRPr>
+            </a:lvl6pPr>
+            <a:lvl7pPr marL="2971800" indent="-228600" algn="l" defTabSz="914400" rtl="0" eaLnBrk="1" latinLnBrk="0" hangingPunct="1">
+              <a:lnSpc>
+                <a:spcPct val="90000"/>
+              </a:lnSpc>
+              <a:spcBef>
+                <a:spcPts val="500"/>
+              </a:spcBef>
+              <a:buFont typeface="Arial" panose="020B0604020202020204" pitchFamily="34" charset="0"/>
+              <a:buChar char="•"/>
+              <a:defRPr sz="1800" kern="1200">
+                <a:solidFill>
+                  <a:schemeClr val="tx1"/>
+                </a:solidFill>
+                <a:latin typeface="+mn-lt"/>
+                <a:ea typeface="+mn-ea"/>
+                <a:cs typeface="+mn-cs"/>
+              </a:defRPr>
+            </a:lvl7pPr>
+            <a:lvl8pPr marL="3429000" indent="-228600" algn="l" defTabSz="914400" rtl="0" eaLnBrk="1" latinLnBrk="0" hangingPunct="1">
+              <a:lnSpc>
+                <a:spcPct val="90000"/>
+              </a:lnSpc>
+              <a:spcBef>
+                <a:spcPts val="500"/>
+              </a:spcBef>
+              <a:buFont typeface="Arial" panose="020B0604020202020204" pitchFamily="34" charset="0"/>
+              <a:buChar char="•"/>
+              <a:defRPr sz="1800" kern="1200">
+                <a:solidFill>
+                  <a:schemeClr val="tx1"/>
+                </a:solidFill>
+                <a:latin typeface="+mn-lt"/>
+                <a:ea typeface="+mn-ea"/>
+                <a:cs typeface="+mn-cs"/>
+              </a:defRPr>
+            </a:lvl8pPr>
+            <a:lvl9pPr marL="3886200" indent="-228600" algn="l" defTabSz="914400" rtl="0" eaLnBrk="1" latinLnBrk="0" hangingPunct="1">
+              <a:lnSpc>
+                <a:spcPct val="90000"/>
+              </a:lnSpc>
+              <a:spcBef>
+                <a:spcPts val="500"/>
+              </a:spcBef>
+              <a:buFont typeface="Arial" panose="020B0604020202020204" pitchFamily="34" charset="0"/>
+              <a:buChar char="•"/>
+              <a:defRPr sz="1800" kern="1200">
+                <a:solidFill>
+                  <a:schemeClr val="tx1"/>
+                </a:solidFill>
+                <a:latin typeface="+mn-lt"/>
+                <a:ea typeface="+mn-ea"/>
+                <a:cs typeface="+mn-cs"/>
+              </a:defRPr>
+            </a:lvl9pPr>
+          </a:lstStyle>
+          <a:p>
+            <a:pPr marL="0" indent="0">
+              <a:buFont typeface="Arial" panose="020B0604020202020204" pitchFamily="34" charset="0"/>
+              <a:buNone/>
+            </a:pPr>
+            <a:r>
+              <a:rPr lang="de-DE" sz="3600" dirty="0"/>
+              <a:t>Planungsphase</a:t>
+            </a:r>
+          </a:p>
+          <a:p>
+            <a:r>
+              <a:rPr lang="de-DE" dirty="0"/>
+              <a:t>Struktur</a:t>
+            </a:r>
+          </a:p>
+          <a:p>
+            <a:r>
+              <a:rPr lang="de-DE" dirty="0"/>
+              <a:t>Ablauf</a:t>
+            </a:r>
+          </a:p>
+          <a:p>
+            <a:r>
+              <a:rPr lang="de-DE" dirty="0"/>
+              <a:t>Kapazitätsplanung</a:t>
+            </a:r>
+          </a:p>
+          <a:p>
+            <a:r>
+              <a:rPr lang="de-DE" dirty="0"/>
+              <a:t>Qualitätsplanung</a:t>
+            </a:r>
+          </a:p>
+        </p:txBody>
+      </p:sp>
+      <p:sp>
+        <p:nvSpPr>
+          <p:cNvPr id="13" name="Inhaltsplatzhalter 2">
+            <a:extLst>
+              <a:ext uri="{FF2B5EF4-FFF2-40B4-BE49-F238E27FC236}">
+                <a16:creationId xmlns:a16="http://schemas.microsoft.com/office/drawing/2014/main" id="{F1B491B5-15FD-4C95-8D34-D96468EBF417}"/>
+              </a:ext>
+            </a:extLst>
+          </p:cNvPr>
+          <p:cNvSpPr txBox="1">
+            <a:spLocks/>
+          </p:cNvSpPr>
+          <p:nvPr/>
+        </p:nvSpPr>
+        <p:spPr>
+          <a:xfrm>
+            <a:off x="566137" y="1040991"/>
+            <a:ext cx="4292608" cy="4351338"/>
+          </a:xfrm>
+          <a:prstGeom prst="rect">
+            <a:avLst/>
+          </a:prstGeom>
+        </p:spPr>
+        <p:txBody>
+          <a:bodyPr vert="horz" lIns="91440" tIns="45720" rIns="91440" bIns="45720" rtlCol="0">
+            <a:normAutofit/>
+          </a:bodyPr>
+          <a:lstStyle>
+            <a:lvl1pPr marL="228600" indent="-228600" algn="l" defTabSz="914400" rtl="0" eaLnBrk="1" latinLnBrk="0" hangingPunct="1">
+              <a:lnSpc>
+                <a:spcPct val="90000"/>
+              </a:lnSpc>
+              <a:spcBef>
+                <a:spcPts val="1000"/>
+              </a:spcBef>
+              <a:buFont typeface="Arial" panose="020B0604020202020204" pitchFamily="34" charset="0"/>
+              <a:buChar char="•"/>
+              <a:defRPr sz="2800" kern="1200">
+                <a:solidFill>
+                  <a:schemeClr val="tx1"/>
+                </a:solidFill>
+                <a:latin typeface="+mn-lt"/>
+                <a:ea typeface="+mn-ea"/>
+                <a:cs typeface="+mn-cs"/>
+              </a:defRPr>
+            </a:lvl1pPr>
+            <a:lvl2pPr marL="685800" indent="-228600" algn="l" defTabSz="914400" rtl="0" eaLnBrk="1" latinLnBrk="0" hangingPunct="1">
+              <a:lnSpc>
+                <a:spcPct val="90000"/>
+              </a:lnSpc>
+              <a:spcBef>
+                <a:spcPts val="500"/>
+              </a:spcBef>
+              <a:buFont typeface="Arial" panose="020B0604020202020204" pitchFamily="34" charset="0"/>
+              <a:buChar char="•"/>
+              <a:defRPr sz="2400" kern="1200">
+                <a:solidFill>
+                  <a:schemeClr val="tx1"/>
+                </a:solidFill>
+                <a:latin typeface="+mn-lt"/>
+                <a:ea typeface="+mn-ea"/>
+                <a:cs typeface="+mn-cs"/>
+              </a:defRPr>
+            </a:lvl2pPr>
+            <a:lvl3pPr marL="1143000" indent="-228600" algn="l" defTabSz="914400" rtl="0" eaLnBrk="1" latinLnBrk="0" hangingPunct="1">
+              <a:lnSpc>
+                <a:spcPct val="90000"/>
+              </a:lnSpc>
+              <a:spcBef>
+                <a:spcPts val="500"/>
+              </a:spcBef>
+              <a:buFont typeface="Arial" panose="020B0604020202020204" pitchFamily="34" charset="0"/>
+              <a:buChar char="•"/>
+              <a:defRPr sz="2000" kern="1200">
+                <a:solidFill>
+                  <a:schemeClr val="tx1"/>
+                </a:solidFill>
+                <a:latin typeface="+mn-lt"/>
+                <a:ea typeface="+mn-ea"/>
+                <a:cs typeface="+mn-cs"/>
+              </a:defRPr>
+            </a:lvl3pPr>
+            <a:lvl4pPr marL="1600200" indent="-228600" algn="l" defTabSz="914400" rtl="0" eaLnBrk="1" latinLnBrk="0" hangingPunct="1">
+              <a:lnSpc>
+                <a:spcPct val="90000"/>
+              </a:lnSpc>
+              <a:spcBef>
+                <a:spcPts val="500"/>
+              </a:spcBef>
+              <a:buFont typeface="Arial" panose="020B0604020202020204" pitchFamily="34" charset="0"/>
+              <a:buChar char="•"/>
+              <a:defRPr sz="1800" kern="1200">
+                <a:solidFill>
+                  <a:schemeClr val="tx1"/>
+                </a:solidFill>
+                <a:latin typeface="+mn-lt"/>
+                <a:ea typeface="+mn-ea"/>
+                <a:cs typeface="+mn-cs"/>
+              </a:defRPr>
+            </a:lvl4pPr>
+            <a:lvl5pPr marL="2057400" indent="-228600" algn="l" defTabSz="914400" rtl="0" eaLnBrk="1" latinLnBrk="0" hangingPunct="1">
+              <a:lnSpc>
+                <a:spcPct val="90000"/>
+              </a:lnSpc>
+              <a:spcBef>
+                <a:spcPts val="500"/>
+              </a:spcBef>
+              <a:buFont typeface="Arial" panose="020B0604020202020204" pitchFamily="34" charset="0"/>
+              <a:buChar char="•"/>
+              <a:defRPr sz="1800" kern="1200">
+                <a:solidFill>
+                  <a:schemeClr val="tx1"/>
+                </a:solidFill>
+                <a:latin typeface="+mn-lt"/>
+                <a:ea typeface="+mn-ea"/>
+                <a:cs typeface="+mn-cs"/>
+              </a:defRPr>
+            </a:lvl5pPr>
+            <a:lvl6pPr marL="2514600" indent="-228600" algn="l" defTabSz="914400" rtl="0" eaLnBrk="1" latinLnBrk="0" hangingPunct="1">
+              <a:lnSpc>
+                <a:spcPct val="90000"/>
+              </a:lnSpc>
+              <a:spcBef>
+                <a:spcPts val="500"/>
+              </a:spcBef>
+              <a:buFont typeface="Arial" panose="020B0604020202020204" pitchFamily="34" charset="0"/>
+              <a:buChar char="•"/>
+              <a:defRPr sz="1800" kern="1200">
+                <a:solidFill>
+                  <a:schemeClr val="tx1"/>
+                </a:solidFill>
+                <a:latin typeface="+mn-lt"/>
+                <a:ea typeface="+mn-ea"/>
+                <a:cs typeface="+mn-cs"/>
+              </a:defRPr>
+            </a:lvl6pPr>
+            <a:lvl7pPr marL="2971800" indent="-228600" algn="l" defTabSz="914400" rtl="0" eaLnBrk="1" latinLnBrk="0" hangingPunct="1">
+              <a:lnSpc>
+                <a:spcPct val="90000"/>
+              </a:lnSpc>
+              <a:spcBef>
+                <a:spcPts val="500"/>
+              </a:spcBef>
+              <a:buFont typeface="Arial" panose="020B0604020202020204" pitchFamily="34" charset="0"/>
+              <a:buChar char="•"/>
+              <a:defRPr sz="1800" kern="1200">
+                <a:solidFill>
+                  <a:schemeClr val="tx1"/>
+                </a:solidFill>
+                <a:latin typeface="+mn-lt"/>
+                <a:ea typeface="+mn-ea"/>
+                <a:cs typeface="+mn-cs"/>
+              </a:defRPr>
+            </a:lvl7pPr>
+            <a:lvl8pPr marL="3429000" indent="-228600" algn="l" defTabSz="914400" rtl="0" eaLnBrk="1" latinLnBrk="0" hangingPunct="1">
+              <a:lnSpc>
+                <a:spcPct val="90000"/>
+              </a:lnSpc>
+              <a:spcBef>
+                <a:spcPts val="500"/>
+              </a:spcBef>
+              <a:buFont typeface="Arial" panose="020B0604020202020204" pitchFamily="34" charset="0"/>
+              <a:buChar char="•"/>
+              <a:defRPr sz="1800" kern="1200">
+                <a:solidFill>
+                  <a:schemeClr val="tx1"/>
+                </a:solidFill>
+                <a:latin typeface="+mn-lt"/>
+                <a:ea typeface="+mn-ea"/>
+                <a:cs typeface="+mn-cs"/>
+              </a:defRPr>
+            </a:lvl8pPr>
+            <a:lvl9pPr marL="3886200" indent="-228600" algn="l" defTabSz="914400" rtl="0" eaLnBrk="1" latinLnBrk="0" hangingPunct="1">
+              <a:lnSpc>
+                <a:spcPct val="90000"/>
+              </a:lnSpc>
+              <a:spcBef>
+                <a:spcPts val="500"/>
+              </a:spcBef>
+              <a:buFont typeface="Arial" panose="020B0604020202020204" pitchFamily="34" charset="0"/>
+              <a:buChar char="•"/>
+              <a:defRPr sz="1800" kern="1200">
+                <a:solidFill>
+                  <a:schemeClr val="tx1"/>
+                </a:solidFill>
+                <a:latin typeface="+mn-lt"/>
+                <a:ea typeface="+mn-ea"/>
+                <a:cs typeface="+mn-cs"/>
+              </a:defRPr>
+            </a:lvl9pPr>
+          </a:lstStyle>
+          <a:p>
+            <a:pPr marL="0" indent="0">
+              <a:buFont typeface="Arial" panose="020B0604020202020204" pitchFamily="34" charset="0"/>
+              <a:buNone/>
+            </a:pPr>
+            <a:r>
+              <a:rPr lang="de-DE" sz="3600" dirty="0"/>
+              <a:t>Einleitung</a:t>
+            </a:r>
+          </a:p>
+          <a:p>
+            <a:r>
+              <a:rPr lang="de-DE" dirty="0"/>
+              <a:t>Beschreibung</a:t>
+            </a:r>
+          </a:p>
+          <a:p>
+            <a:r>
+              <a:rPr lang="de-DE" dirty="0"/>
+              <a:t>Ziele</a:t>
+            </a:r>
+          </a:p>
+          <a:p>
+            <a:r>
+              <a:rPr lang="de-DE" dirty="0"/>
+              <a:t>Umfeld und Grund des</a:t>
+            </a:r>
+          </a:p>
+          <a:p>
+            <a:r>
+              <a:rPr lang="de-DE" dirty="0"/>
+              <a:t>Schnittstellen</a:t>
+            </a:r>
+          </a:p>
+        </p:txBody>
+      </p:sp>
+    </p:spTree>
+    <p:extLst>
+      <p:ext uri="{BB962C8B-B14F-4D97-AF65-F5344CB8AC3E}">
+        <p14:creationId xmlns:p14="http://schemas.microsoft.com/office/powerpoint/2010/main" val="2878879180"/>
+      </p:ext>
+    </p:extLst>
+  </p:cSld>
+  <p:clrMapOvr>
+    <a:masterClrMapping/>
+  </p:clrMapOvr>
+</p:sld>
+</file>
+
+<file path=ppt/slides/slide16.xml><?xml version="1.0" encoding="utf-8"?>
+<p:sld xmlns:a="http://schemas.openxmlformats.org/drawingml/2006/main" xmlns:r="http://schemas.openxmlformats.org/officeDocument/2006/relationships" xmlns:p="http://schemas.openxmlformats.org/presentationml/2006/main">
+  <p:cSld>
+    <p:spTree>
+      <p:nvGrpSpPr>
+        <p:cNvPr id="1" name=""/>
+        <p:cNvGrpSpPr/>
+        <p:nvPr/>
+      </p:nvGrpSpPr>
+      <p:grpSpPr>
+        <a:xfrm>
+          <a:off x="0" y="0"/>
+          <a:ext cx="0" cy="0"/>
+          <a:chOff x="0" y="0"/>
+          <a:chExt cx="0" cy="0"/>
+        </a:xfrm>
+      </p:grpSpPr>
+      <p:sp>
+        <p:nvSpPr>
+          <p:cNvPr id="3" name="Inhaltsplatzhalter 2">
+            <a:extLst>
+              <a:ext uri="{FF2B5EF4-FFF2-40B4-BE49-F238E27FC236}">
+                <a16:creationId xmlns:a16="http://schemas.microsoft.com/office/drawing/2014/main" id="{48308743-88AE-4732-A713-729D3915A345}"/>
+              </a:ext>
+            </a:extLst>
+          </p:cNvPr>
+          <p:cNvSpPr>
+            <a:spLocks noGrp="1"/>
+          </p:cNvSpPr>
+          <p:nvPr>
+            <p:ph sz="half" idx="1"/>
+          </p:nvPr>
+        </p:nvSpPr>
+        <p:spPr>
+          <a:xfrm>
+            <a:off x="7010400" y="3806568"/>
+            <a:ext cx="5181600" cy="4351338"/>
+          </a:xfrm>
+        </p:spPr>
+        <p:txBody>
+          <a:bodyPr/>
+          <a:lstStyle/>
+          <a:p>
+            <a:pPr marL="0" indent="0">
+              <a:buNone/>
+            </a:pPr>
+            <a:r>
+              <a:rPr lang="de-DE" sz="3600" dirty="0"/>
+              <a:t>Entwurfsphase</a:t>
+            </a:r>
+          </a:p>
+          <a:p>
+            <a:r>
+              <a:rPr lang="de-DE" dirty="0"/>
+              <a:t>Zielplattform</a:t>
+            </a:r>
+          </a:p>
+          <a:p>
+            <a:r>
+              <a:rPr lang="de-DE" dirty="0"/>
+              <a:t>Architektur</a:t>
+            </a:r>
+          </a:p>
+          <a:p>
+            <a:r>
+              <a:rPr lang="de-DE" dirty="0"/>
+              <a:t>Benutzerschnittstelle</a:t>
+            </a:r>
+          </a:p>
+          <a:p>
+            <a:r>
+              <a:rPr lang="de-DE" dirty="0"/>
+              <a:t>Pflichtenheft</a:t>
+            </a:r>
+          </a:p>
+        </p:txBody>
+      </p:sp>
+      <p:sp>
+        <p:nvSpPr>
+          <p:cNvPr id="5" name="Rechteck 4">
+            <a:extLst>
+              <a:ext uri="{FF2B5EF4-FFF2-40B4-BE49-F238E27FC236}">
+                <a16:creationId xmlns:a16="http://schemas.microsoft.com/office/drawing/2014/main" id="{C9F03A60-89B1-4B33-9F70-B361488EADB4}"/>
+              </a:ext>
+            </a:extLst>
+          </p:cNvPr>
+          <p:cNvSpPr/>
+          <p:nvPr/>
+        </p:nvSpPr>
+        <p:spPr>
+          <a:xfrm>
+            <a:off x="5742908" y="-189963"/>
+            <a:ext cx="244699" cy="7237926"/>
+          </a:xfrm>
+          <a:prstGeom prst="rect">
+            <a:avLst/>
+          </a:prstGeom>
+          <a:solidFill>
+            <a:schemeClr val="bg2">
+              <a:lumMod val="50000"/>
+            </a:schemeClr>
+          </a:solidFill>
+          <a:ln>
+            <a:solidFill>
+              <a:schemeClr val="tx1">
+                <a:lumMod val="65000"/>
+                <a:lumOff val="35000"/>
+              </a:schemeClr>
+            </a:solidFill>
+          </a:ln>
+        </p:spPr>
+        <p:style>
+          <a:lnRef idx="2">
+            <a:schemeClr val="accent1">
+              <a:shade val="50000"/>
+            </a:schemeClr>
+          </a:lnRef>
+          <a:fillRef idx="1">
+            <a:schemeClr val="accent1"/>
+          </a:fillRef>
+          <a:effectRef idx="0">
+            <a:schemeClr val="accent1"/>
+          </a:effectRef>
+          <a:fontRef idx="minor">
+            <a:schemeClr val="lt1"/>
+          </a:fontRef>
+        </p:style>
+        <p:txBody>
+          <a:bodyPr rtlCol="0" anchor="ctr"/>
+          <a:lstStyle/>
+          <a:p>
+            <a:pPr algn="ctr"/>
+            <a:endParaRPr lang="de-DE"/>
+          </a:p>
+        </p:txBody>
+      </p:sp>
+      <p:cxnSp>
+        <p:nvCxnSpPr>
+          <p:cNvPr id="8" name="Gerader Verbinder 7">
+            <a:extLst>
+              <a:ext uri="{FF2B5EF4-FFF2-40B4-BE49-F238E27FC236}">
+                <a16:creationId xmlns:a16="http://schemas.microsoft.com/office/drawing/2014/main" id="{7CE70B78-FAD4-4218-A43C-AFDFC584F8EB}"/>
+              </a:ext>
+            </a:extLst>
+          </p:cNvPr>
+          <p:cNvCxnSpPr>
+            <a:cxnSpLocks/>
+          </p:cNvCxnSpPr>
+          <p:nvPr/>
+        </p:nvCxnSpPr>
+        <p:spPr>
+          <a:xfrm>
+            <a:off x="5491769" y="3541689"/>
+            <a:ext cx="5854518" cy="0"/>
+          </a:xfrm>
+          <a:prstGeom prst="line">
+            <a:avLst/>
+          </a:prstGeom>
+          <a:ln w="28575"/>
+        </p:spPr>
+        <p:style>
+          <a:lnRef idx="3">
+            <a:schemeClr val="dk1"/>
+          </a:lnRef>
+          <a:fillRef idx="0">
+            <a:schemeClr val="dk1"/>
+          </a:fillRef>
+          <a:effectRef idx="2">
+            <a:schemeClr val="dk1"/>
+          </a:effectRef>
+          <a:fontRef idx="minor">
+            <a:schemeClr val="tx1"/>
+          </a:fontRef>
+        </p:style>
+      </p:cxnSp>
+      <p:cxnSp>
+        <p:nvCxnSpPr>
+          <p:cNvPr id="9" name="Gerader Verbinder 8">
+            <a:extLst>
+              <a:ext uri="{FF2B5EF4-FFF2-40B4-BE49-F238E27FC236}">
+                <a16:creationId xmlns:a16="http://schemas.microsoft.com/office/drawing/2014/main" id="{6DEB5324-6851-486E-B6C9-696AEE81BB63}"/>
+              </a:ext>
+            </a:extLst>
+          </p:cNvPr>
+          <p:cNvCxnSpPr>
+            <a:cxnSpLocks/>
+          </p:cNvCxnSpPr>
+          <p:nvPr/>
+        </p:nvCxnSpPr>
+        <p:spPr>
+          <a:xfrm>
+            <a:off x="402467" y="564523"/>
+            <a:ext cx="5854518" cy="0"/>
+          </a:xfrm>
+          <a:prstGeom prst="line">
+            <a:avLst/>
+          </a:prstGeom>
+          <a:ln w="28575"/>
+        </p:spPr>
+        <p:style>
+          <a:lnRef idx="3">
+            <a:schemeClr val="dk1"/>
+          </a:lnRef>
+          <a:fillRef idx="0">
+            <a:schemeClr val="dk1"/>
+          </a:fillRef>
+          <a:effectRef idx="2">
+            <a:schemeClr val="dk1"/>
+          </a:effectRef>
+          <a:fontRef idx="minor">
+            <a:schemeClr val="tx1"/>
+          </a:fontRef>
+        </p:style>
+      </p:cxnSp>
+      <p:sp>
+        <p:nvSpPr>
+          <p:cNvPr id="10" name="Inhaltsplatzhalter 2">
+            <a:extLst>
+              <a:ext uri="{FF2B5EF4-FFF2-40B4-BE49-F238E27FC236}">
+                <a16:creationId xmlns:a16="http://schemas.microsoft.com/office/drawing/2014/main" id="{4865170E-0718-4148-9740-4BB2C95BDC0C}"/>
+              </a:ext>
+            </a:extLst>
+          </p:cNvPr>
+          <p:cNvSpPr txBox="1">
+            <a:spLocks/>
+          </p:cNvSpPr>
+          <p:nvPr/>
+        </p:nvSpPr>
+        <p:spPr>
+          <a:xfrm>
+            <a:off x="481888" y="943935"/>
+            <a:ext cx="5181600" cy="1960764"/>
+          </a:xfrm>
+          <a:prstGeom prst="rect">
+            <a:avLst/>
+          </a:prstGeom>
+        </p:spPr>
+        <p:txBody>
+          <a:bodyPr vert="horz" lIns="91440" tIns="45720" rIns="91440" bIns="45720" rtlCol="0">
+            <a:normAutofit/>
+          </a:bodyPr>
+          <a:lstStyle>
+            <a:lvl1pPr marL="228600" indent="-228600" algn="l" defTabSz="914400" rtl="0" eaLnBrk="1" latinLnBrk="0" hangingPunct="1">
+              <a:lnSpc>
+                <a:spcPct val="90000"/>
+              </a:lnSpc>
+              <a:spcBef>
+                <a:spcPts val="1000"/>
+              </a:spcBef>
+              <a:buFont typeface="Arial" panose="020B0604020202020204" pitchFamily="34" charset="0"/>
+              <a:buChar char="•"/>
+              <a:defRPr sz="2800" kern="1200">
+                <a:solidFill>
+                  <a:schemeClr val="tx1"/>
+                </a:solidFill>
+                <a:latin typeface="+mn-lt"/>
+                <a:ea typeface="+mn-ea"/>
+                <a:cs typeface="+mn-cs"/>
+              </a:defRPr>
+            </a:lvl1pPr>
+            <a:lvl2pPr marL="685800" indent="-228600" algn="l" defTabSz="914400" rtl="0" eaLnBrk="1" latinLnBrk="0" hangingPunct="1">
+              <a:lnSpc>
+                <a:spcPct val="90000"/>
+              </a:lnSpc>
+              <a:spcBef>
+                <a:spcPts val="500"/>
+              </a:spcBef>
+              <a:buFont typeface="Arial" panose="020B0604020202020204" pitchFamily="34" charset="0"/>
+              <a:buChar char="•"/>
+              <a:defRPr sz="2400" kern="1200">
+                <a:solidFill>
+                  <a:schemeClr val="tx1"/>
+                </a:solidFill>
+                <a:latin typeface="+mn-lt"/>
+                <a:ea typeface="+mn-ea"/>
+                <a:cs typeface="+mn-cs"/>
+              </a:defRPr>
+            </a:lvl2pPr>
+            <a:lvl3pPr marL="1143000" indent="-228600" algn="l" defTabSz="914400" rtl="0" eaLnBrk="1" latinLnBrk="0" hangingPunct="1">
+              <a:lnSpc>
+                <a:spcPct val="90000"/>
+              </a:lnSpc>
+              <a:spcBef>
+                <a:spcPts val="500"/>
+              </a:spcBef>
+              <a:buFont typeface="Arial" panose="020B0604020202020204" pitchFamily="34" charset="0"/>
+              <a:buChar char="•"/>
+              <a:defRPr sz="2000" kern="1200">
+                <a:solidFill>
+                  <a:schemeClr val="tx1"/>
+                </a:solidFill>
+                <a:latin typeface="+mn-lt"/>
+                <a:ea typeface="+mn-ea"/>
+                <a:cs typeface="+mn-cs"/>
+              </a:defRPr>
+            </a:lvl3pPr>
+            <a:lvl4pPr marL="1600200" indent="-228600" algn="l" defTabSz="914400" rtl="0" eaLnBrk="1" latinLnBrk="0" hangingPunct="1">
+              <a:lnSpc>
+                <a:spcPct val="90000"/>
+              </a:lnSpc>
+              <a:spcBef>
+                <a:spcPts val="500"/>
+              </a:spcBef>
+              <a:buFont typeface="Arial" panose="020B0604020202020204" pitchFamily="34" charset="0"/>
+              <a:buChar char="•"/>
+              <a:defRPr sz="1800" kern="1200">
+                <a:solidFill>
+                  <a:schemeClr val="tx1"/>
+                </a:solidFill>
+                <a:latin typeface="+mn-lt"/>
+                <a:ea typeface="+mn-ea"/>
+                <a:cs typeface="+mn-cs"/>
+              </a:defRPr>
+            </a:lvl4pPr>
+            <a:lvl5pPr marL="2057400" indent="-228600" algn="l" defTabSz="914400" rtl="0" eaLnBrk="1" latinLnBrk="0" hangingPunct="1">
+              <a:lnSpc>
+                <a:spcPct val="90000"/>
+              </a:lnSpc>
+              <a:spcBef>
+                <a:spcPts val="500"/>
+              </a:spcBef>
+              <a:buFont typeface="Arial" panose="020B0604020202020204" pitchFamily="34" charset="0"/>
+              <a:buChar char="•"/>
+              <a:defRPr sz="1800" kern="1200">
+                <a:solidFill>
+                  <a:schemeClr val="tx1"/>
+                </a:solidFill>
+                <a:latin typeface="+mn-lt"/>
+                <a:ea typeface="+mn-ea"/>
+                <a:cs typeface="+mn-cs"/>
+              </a:defRPr>
+            </a:lvl5pPr>
+            <a:lvl6pPr marL="2514600" indent="-228600" algn="l" defTabSz="914400" rtl="0" eaLnBrk="1" latinLnBrk="0" hangingPunct="1">
+              <a:lnSpc>
+                <a:spcPct val="90000"/>
+              </a:lnSpc>
+              <a:spcBef>
+                <a:spcPts val="500"/>
+              </a:spcBef>
+              <a:buFont typeface="Arial" panose="020B0604020202020204" pitchFamily="34" charset="0"/>
+              <a:buChar char="•"/>
+              <a:defRPr sz="1800" kern="1200">
+                <a:solidFill>
+                  <a:schemeClr val="tx1"/>
+                </a:solidFill>
+                <a:latin typeface="+mn-lt"/>
+                <a:ea typeface="+mn-ea"/>
+                <a:cs typeface="+mn-cs"/>
+              </a:defRPr>
+            </a:lvl6pPr>
+            <a:lvl7pPr marL="2971800" indent="-228600" algn="l" defTabSz="914400" rtl="0" eaLnBrk="1" latinLnBrk="0" hangingPunct="1">
+              <a:lnSpc>
+                <a:spcPct val="90000"/>
+              </a:lnSpc>
+              <a:spcBef>
+                <a:spcPts val="500"/>
+              </a:spcBef>
+              <a:buFont typeface="Arial" panose="020B0604020202020204" pitchFamily="34" charset="0"/>
+              <a:buChar char="•"/>
+              <a:defRPr sz="1800" kern="1200">
+                <a:solidFill>
+                  <a:schemeClr val="tx1"/>
+                </a:solidFill>
+                <a:latin typeface="+mn-lt"/>
+                <a:ea typeface="+mn-ea"/>
+                <a:cs typeface="+mn-cs"/>
+              </a:defRPr>
+            </a:lvl7pPr>
+            <a:lvl8pPr marL="3429000" indent="-228600" algn="l" defTabSz="914400" rtl="0" eaLnBrk="1" latinLnBrk="0" hangingPunct="1">
+              <a:lnSpc>
+                <a:spcPct val="90000"/>
+              </a:lnSpc>
+              <a:spcBef>
+                <a:spcPts val="500"/>
+              </a:spcBef>
+              <a:buFont typeface="Arial" panose="020B0604020202020204" pitchFamily="34" charset="0"/>
+              <a:buChar char="•"/>
+              <a:defRPr sz="1800" kern="1200">
+                <a:solidFill>
+                  <a:schemeClr val="tx1"/>
+                </a:solidFill>
+                <a:latin typeface="+mn-lt"/>
+                <a:ea typeface="+mn-ea"/>
+                <a:cs typeface="+mn-cs"/>
+              </a:defRPr>
+            </a:lvl8pPr>
+            <a:lvl9pPr marL="3886200" indent="-228600" algn="l" defTabSz="914400" rtl="0" eaLnBrk="1" latinLnBrk="0" hangingPunct="1">
+              <a:lnSpc>
+                <a:spcPct val="90000"/>
+              </a:lnSpc>
+              <a:spcBef>
+                <a:spcPts val="500"/>
+              </a:spcBef>
+              <a:buFont typeface="Arial" panose="020B0604020202020204" pitchFamily="34" charset="0"/>
+              <a:buChar char="•"/>
+              <a:defRPr sz="1800" kern="1200">
+                <a:solidFill>
+                  <a:schemeClr val="tx1"/>
+                </a:solidFill>
+                <a:latin typeface="+mn-lt"/>
+                <a:ea typeface="+mn-ea"/>
+                <a:cs typeface="+mn-cs"/>
+              </a:defRPr>
+            </a:lvl9pPr>
+          </a:lstStyle>
+          <a:p>
+            <a:pPr marL="0" indent="0">
+              <a:buFont typeface="Arial" panose="020B0604020202020204" pitchFamily="34" charset="0"/>
+              <a:buNone/>
+            </a:pPr>
+            <a:r>
+              <a:rPr lang="de-DE" sz="3600" dirty="0"/>
+              <a:t>Analysephase</a:t>
+            </a:r>
+          </a:p>
+          <a:p>
+            <a:r>
+              <a:rPr lang="de-DE" dirty="0"/>
+              <a:t>Ist-Analyse</a:t>
+            </a:r>
+          </a:p>
+          <a:p>
+            <a:r>
+              <a:rPr lang="de-DE" dirty="0"/>
+              <a:t>Anforderungen / Lastenheft</a:t>
+            </a:r>
+          </a:p>
+        </p:txBody>
+      </p:sp>
+    </p:spTree>
+    <p:extLst>
+      <p:ext uri="{BB962C8B-B14F-4D97-AF65-F5344CB8AC3E}">
+        <p14:creationId xmlns:p14="http://schemas.microsoft.com/office/powerpoint/2010/main" val="398882117"/>
+      </p:ext>
+    </p:extLst>
+  </p:cSld>
+  <p:clrMapOvr>
+    <a:masterClrMapping/>
+  </p:clrMapOvr>
+</p:sld>
+</file>
+
+<file path=ppt/slides/slide17.xml><?xml version="1.0" encoding="utf-8"?>
+<p:sld xmlns:a="http://schemas.openxmlformats.org/drawingml/2006/main" xmlns:r="http://schemas.openxmlformats.org/officeDocument/2006/relationships" xmlns:p="http://schemas.openxmlformats.org/presentationml/2006/main">
+  <p:cSld>
+    <p:spTree>
+      <p:nvGrpSpPr>
+        <p:cNvPr id="1" name=""/>
+        <p:cNvGrpSpPr/>
+        <p:nvPr/>
+      </p:nvGrpSpPr>
+      <p:grpSpPr>
+        <a:xfrm>
+          <a:off x="0" y="0"/>
+          <a:ext cx="0" cy="0"/>
+          <a:chOff x="0" y="0"/>
+          <a:chExt cx="0" cy="0"/>
+        </a:xfrm>
+      </p:grpSpPr>
+      <p:sp>
+        <p:nvSpPr>
+          <p:cNvPr id="3" name="Inhaltsplatzhalter 2">
+            <a:extLst>
+              <a:ext uri="{FF2B5EF4-FFF2-40B4-BE49-F238E27FC236}">
+                <a16:creationId xmlns:a16="http://schemas.microsoft.com/office/drawing/2014/main" id="{59BDECC0-9A39-4032-A9A2-0B5F4EC405B4}"/>
+              </a:ext>
+            </a:extLst>
+          </p:cNvPr>
+          <p:cNvSpPr>
+            <a:spLocks noGrp="1"/>
+          </p:cNvSpPr>
+          <p:nvPr>
+            <p:ph sz="half" idx="1"/>
+          </p:nvPr>
+        </p:nvSpPr>
+        <p:spPr>
+          <a:xfrm>
+            <a:off x="561308" y="1253331"/>
+            <a:ext cx="5181600" cy="4351338"/>
+          </a:xfrm>
+        </p:spPr>
+        <p:txBody>
+          <a:bodyPr/>
+          <a:lstStyle/>
+          <a:p>
+            <a:pPr marL="0" indent="0">
+              <a:buNone/>
+            </a:pPr>
+            <a:r>
+              <a:rPr lang="de-DE" sz="3600" dirty="0"/>
+              <a:t>Implementierungsphase</a:t>
+            </a:r>
+          </a:p>
+          <a:p>
+            <a:r>
+              <a:rPr lang="de-DE" dirty="0"/>
+              <a:t>Beschreibung der Module</a:t>
+            </a:r>
+          </a:p>
+          <a:p>
+            <a:r>
+              <a:rPr lang="de-DE" dirty="0"/>
+              <a:t>Dokumentation der Umsetzung</a:t>
+            </a:r>
+          </a:p>
+          <a:p>
+            <a:r>
+              <a:rPr lang="de-DE" dirty="0"/>
+              <a:t>Technische Details</a:t>
+            </a:r>
+          </a:p>
+          <a:p>
+            <a:r>
+              <a:rPr lang="de-DE" dirty="0"/>
+              <a:t>Abweichungen zum Entwurf</a:t>
+            </a:r>
+          </a:p>
+        </p:txBody>
+      </p:sp>
+      <p:sp>
+        <p:nvSpPr>
+          <p:cNvPr id="7" name="Rechteck 6">
+            <a:extLst>
+              <a:ext uri="{FF2B5EF4-FFF2-40B4-BE49-F238E27FC236}">
+                <a16:creationId xmlns:a16="http://schemas.microsoft.com/office/drawing/2014/main" id="{60215EE8-5944-4175-8045-36D4D1928F8D}"/>
+              </a:ext>
+            </a:extLst>
+          </p:cNvPr>
+          <p:cNvSpPr/>
+          <p:nvPr/>
+        </p:nvSpPr>
+        <p:spPr>
+          <a:xfrm>
+            <a:off x="5742908" y="-189963"/>
+            <a:ext cx="244699" cy="7237926"/>
+          </a:xfrm>
+          <a:prstGeom prst="rect">
+            <a:avLst/>
+          </a:prstGeom>
+          <a:solidFill>
+            <a:schemeClr val="bg2">
+              <a:lumMod val="50000"/>
+            </a:schemeClr>
+          </a:solidFill>
+          <a:ln>
+            <a:solidFill>
+              <a:schemeClr val="tx1">
+                <a:lumMod val="65000"/>
+                <a:lumOff val="35000"/>
+              </a:schemeClr>
+            </a:solidFill>
+          </a:ln>
+        </p:spPr>
+        <p:style>
+          <a:lnRef idx="2">
+            <a:schemeClr val="accent1">
+              <a:shade val="50000"/>
+            </a:schemeClr>
+          </a:lnRef>
+          <a:fillRef idx="1">
+            <a:schemeClr val="accent1"/>
+          </a:fillRef>
+          <a:effectRef idx="0">
+            <a:schemeClr val="accent1"/>
+          </a:effectRef>
+          <a:fontRef idx="minor">
+            <a:schemeClr val="lt1"/>
+          </a:fontRef>
+        </p:style>
+        <p:txBody>
+          <a:bodyPr rtlCol="0" anchor="ctr"/>
+          <a:lstStyle/>
+          <a:p>
+            <a:pPr algn="ctr"/>
+            <a:endParaRPr lang="de-DE"/>
+          </a:p>
+        </p:txBody>
+      </p:sp>
+      <p:cxnSp>
+        <p:nvCxnSpPr>
+          <p:cNvPr id="8" name="Gerader Verbinder 7">
+            <a:extLst>
+              <a:ext uri="{FF2B5EF4-FFF2-40B4-BE49-F238E27FC236}">
+                <a16:creationId xmlns:a16="http://schemas.microsoft.com/office/drawing/2014/main" id="{131D2A3F-F627-4718-9C03-EC49B8A343B6}"/>
+              </a:ext>
+            </a:extLst>
+          </p:cNvPr>
+          <p:cNvCxnSpPr>
+            <a:cxnSpLocks/>
+          </p:cNvCxnSpPr>
+          <p:nvPr/>
+        </p:nvCxnSpPr>
+        <p:spPr>
+          <a:xfrm>
+            <a:off x="481888" y="875763"/>
+            <a:ext cx="5854518" cy="0"/>
+          </a:xfrm>
+          <a:prstGeom prst="line">
+            <a:avLst/>
+          </a:prstGeom>
+          <a:ln w="28575"/>
+        </p:spPr>
+        <p:style>
+          <a:lnRef idx="3">
+            <a:schemeClr val="dk1"/>
+          </a:lnRef>
+          <a:fillRef idx="0">
+            <a:schemeClr val="dk1"/>
+          </a:fillRef>
+          <a:effectRef idx="2">
+            <a:schemeClr val="dk1"/>
+          </a:effectRef>
+          <a:fontRef idx="minor">
+            <a:schemeClr val="tx1"/>
+          </a:fontRef>
+        </p:style>
+      </p:cxnSp>
+    </p:spTree>
+    <p:extLst>
+      <p:ext uri="{BB962C8B-B14F-4D97-AF65-F5344CB8AC3E}">
+        <p14:creationId xmlns:p14="http://schemas.microsoft.com/office/powerpoint/2010/main" val="4230889973"/>
+      </p:ext>
+    </p:extLst>
+  </p:cSld>
+  <p:clrMapOvr>
+    <a:masterClrMapping/>
+  </p:clrMapOvr>
+</p:sld>
+</file>
+
+<file path=ppt/slides/slide18.xml><?xml version="1.0" encoding="utf-8"?>
+<p:sld xmlns:a="http://schemas.openxmlformats.org/drawingml/2006/main" xmlns:r="http://schemas.openxmlformats.org/officeDocument/2006/relationships" xmlns:p="http://schemas.openxmlformats.org/presentationml/2006/main">
+  <p:cSld>
+    <p:spTree>
+      <p:nvGrpSpPr>
+        <p:cNvPr id="1" name=""/>
+        <p:cNvGrpSpPr/>
+        <p:nvPr/>
+      </p:nvGrpSpPr>
+      <p:grpSpPr>
+        <a:xfrm>
+          <a:off x="0" y="0"/>
+          <a:ext cx="0" cy="0"/>
+          <a:chOff x="0" y="0"/>
+          <a:chExt cx="0" cy="0"/>
+        </a:xfrm>
+      </p:grpSpPr>
+      <p:sp>
+        <p:nvSpPr>
+          <p:cNvPr id="3" name="Inhaltsplatzhalter 2">
+            <a:extLst>
+              <a:ext uri="{FF2B5EF4-FFF2-40B4-BE49-F238E27FC236}">
+                <a16:creationId xmlns:a16="http://schemas.microsoft.com/office/drawing/2014/main" id="{33E46F10-14D2-40E6-BC0B-F8BE750CFD7E}"/>
+              </a:ext>
+            </a:extLst>
+          </p:cNvPr>
+          <p:cNvSpPr>
+            <a:spLocks noGrp="1"/>
+          </p:cNvSpPr>
+          <p:nvPr>
+            <p:ph sz="half" idx="1"/>
+          </p:nvPr>
+        </p:nvSpPr>
+        <p:spPr>
+          <a:xfrm>
+            <a:off x="7184265" y="1059287"/>
+            <a:ext cx="5181600" cy="1764405"/>
+          </a:xfrm>
+        </p:spPr>
+        <p:txBody>
+          <a:bodyPr>
+            <a:normAutofit/>
+          </a:bodyPr>
+          <a:lstStyle/>
+          <a:p>
+            <a:pPr marL="0" indent="0">
+              <a:buNone/>
+            </a:pPr>
+            <a:r>
+              <a:rPr lang="de-DE" sz="3600" dirty="0"/>
+              <a:t>Testphase</a:t>
+            </a:r>
+          </a:p>
+          <a:p>
+            <a:r>
+              <a:rPr lang="de-DE" dirty="0"/>
+              <a:t>Unit-Tests</a:t>
+            </a:r>
+          </a:p>
+          <a:p>
+            <a:r>
+              <a:rPr lang="de-DE" dirty="0"/>
+              <a:t>Benutzer-Tests</a:t>
+            </a:r>
+          </a:p>
+        </p:txBody>
+      </p:sp>
+      <p:sp>
+        <p:nvSpPr>
+          <p:cNvPr id="4" name="Inhaltsplatzhalter 3">
+            <a:extLst>
+              <a:ext uri="{FF2B5EF4-FFF2-40B4-BE49-F238E27FC236}">
+                <a16:creationId xmlns:a16="http://schemas.microsoft.com/office/drawing/2014/main" id="{294459F1-ED90-4B03-A1CE-216624F28BB2}"/>
+              </a:ext>
+            </a:extLst>
+          </p:cNvPr>
+          <p:cNvSpPr>
+            <a:spLocks noGrp="1"/>
+          </p:cNvSpPr>
+          <p:nvPr>
+            <p:ph sz="half" idx="2"/>
+          </p:nvPr>
+        </p:nvSpPr>
+        <p:spPr>
+          <a:xfrm>
+            <a:off x="683658" y="4076163"/>
+            <a:ext cx="5181600" cy="2234485"/>
+          </a:xfrm>
+        </p:spPr>
+        <p:txBody>
+          <a:bodyPr>
+            <a:normAutofit/>
+          </a:bodyPr>
+          <a:lstStyle/>
+          <a:p>
+            <a:pPr marL="0" indent="0">
+              <a:buNone/>
+            </a:pPr>
+            <a:r>
+              <a:rPr lang="de-DE" sz="3600" dirty="0"/>
+              <a:t>Fazit</a:t>
+            </a:r>
+          </a:p>
+          <a:p>
+            <a:r>
+              <a:rPr lang="de-DE" dirty="0"/>
+              <a:t>Soll- / Ist-Vergleich</a:t>
+            </a:r>
+          </a:p>
+          <a:p>
+            <a:r>
+              <a:rPr lang="de-DE" dirty="0"/>
+              <a:t>Retroperspektive</a:t>
+            </a:r>
+          </a:p>
+          <a:p>
+            <a:r>
+              <a:rPr lang="de-DE" dirty="0"/>
+              <a:t>Probleme</a:t>
+            </a:r>
+          </a:p>
+        </p:txBody>
+      </p:sp>
+      <p:sp>
+        <p:nvSpPr>
+          <p:cNvPr id="7" name="Rechteck 6">
+            <a:extLst>
+              <a:ext uri="{FF2B5EF4-FFF2-40B4-BE49-F238E27FC236}">
+                <a16:creationId xmlns:a16="http://schemas.microsoft.com/office/drawing/2014/main" id="{20EC3745-F606-4218-93A0-FBDFCF51E2B2}"/>
+              </a:ext>
+            </a:extLst>
+          </p:cNvPr>
+          <p:cNvSpPr/>
+          <p:nvPr/>
+        </p:nvSpPr>
+        <p:spPr>
+          <a:xfrm>
+            <a:off x="5742908" y="-189963"/>
+            <a:ext cx="244699" cy="7237926"/>
+          </a:xfrm>
+          <a:prstGeom prst="rect">
+            <a:avLst/>
+          </a:prstGeom>
+          <a:solidFill>
+            <a:schemeClr val="bg2">
+              <a:lumMod val="50000"/>
+            </a:schemeClr>
+          </a:solidFill>
+          <a:ln>
+            <a:solidFill>
+              <a:schemeClr val="tx1">
+                <a:lumMod val="65000"/>
+                <a:lumOff val="35000"/>
+              </a:schemeClr>
+            </a:solidFill>
+          </a:ln>
+        </p:spPr>
+        <p:style>
+          <a:lnRef idx="2">
+            <a:schemeClr val="accent1">
+              <a:shade val="50000"/>
+            </a:schemeClr>
+          </a:lnRef>
+          <a:fillRef idx="1">
+            <a:schemeClr val="accent1"/>
+          </a:fillRef>
+          <a:effectRef idx="0">
+            <a:schemeClr val="accent1"/>
+          </a:effectRef>
+          <a:fontRef idx="minor">
+            <a:schemeClr val="lt1"/>
+          </a:fontRef>
+        </p:style>
+        <p:txBody>
+          <a:bodyPr rtlCol="0" anchor="ctr"/>
+          <a:lstStyle/>
+          <a:p>
+            <a:pPr algn="ctr"/>
+            <a:endParaRPr lang="de-DE"/>
+          </a:p>
+        </p:txBody>
+      </p:sp>
+      <p:cxnSp>
+        <p:nvCxnSpPr>
+          <p:cNvPr id="9" name="Gerader Verbinder 8">
+            <a:extLst>
+              <a:ext uri="{FF2B5EF4-FFF2-40B4-BE49-F238E27FC236}">
+                <a16:creationId xmlns:a16="http://schemas.microsoft.com/office/drawing/2014/main" id="{E15143A0-DDE0-4E7C-8E42-C020A2333C73}"/>
+              </a:ext>
+            </a:extLst>
+          </p:cNvPr>
+          <p:cNvCxnSpPr>
+            <a:cxnSpLocks/>
+          </p:cNvCxnSpPr>
+          <p:nvPr/>
+        </p:nvCxnSpPr>
+        <p:spPr>
+          <a:xfrm>
+            <a:off x="5466012" y="875763"/>
+            <a:ext cx="5854518" cy="0"/>
+          </a:xfrm>
+          <a:prstGeom prst="line">
+            <a:avLst/>
+          </a:prstGeom>
+          <a:ln w="28575"/>
+        </p:spPr>
+        <p:style>
+          <a:lnRef idx="3">
+            <a:schemeClr val="dk1"/>
+          </a:lnRef>
+          <a:fillRef idx="0">
+            <a:schemeClr val="dk1"/>
+          </a:fillRef>
+          <a:effectRef idx="2">
+            <a:schemeClr val="dk1"/>
+          </a:effectRef>
+          <a:fontRef idx="minor">
+            <a:schemeClr val="tx1"/>
+          </a:fontRef>
+        </p:style>
+      </p:cxnSp>
+      <p:cxnSp>
+        <p:nvCxnSpPr>
+          <p:cNvPr id="10" name="Gerader Verbinder 9">
+            <a:extLst>
+              <a:ext uri="{FF2B5EF4-FFF2-40B4-BE49-F238E27FC236}">
+                <a16:creationId xmlns:a16="http://schemas.microsoft.com/office/drawing/2014/main" id="{56BB40F9-70AF-4360-A403-384B8581C596}"/>
+              </a:ext>
+            </a:extLst>
+          </p:cNvPr>
+          <p:cNvCxnSpPr>
+            <a:cxnSpLocks/>
+          </p:cNvCxnSpPr>
+          <p:nvPr/>
+        </p:nvCxnSpPr>
+        <p:spPr>
+          <a:xfrm>
+            <a:off x="683658" y="3668332"/>
+            <a:ext cx="5580844" cy="0"/>
+          </a:xfrm>
+          <a:prstGeom prst="line">
+            <a:avLst/>
+          </a:prstGeom>
+          <a:ln w="28575"/>
+        </p:spPr>
+        <p:style>
+          <a:lnRef idx="3">
+            <a:schemeClr val="dk1"/>
+          </a:lnRef>
+          <a:fillRef idx="0">
+            <a:schemeClr val="dk1"/>
+          </a:fillRef>
+          <a:effectRef idx="2">
+            <a:schemeClr val="dk1"/>
+          </a:effectRef>
+          <a:fontRef idx="minor">
+            <a:schemeClr val="tx1"/>
+          </a:fontRef>
+        </p:style>
+      </p:cxnSp>
+    </p:spTree>
+    <p:extLst>
+      <p:ext uri="{BB962C8B-B14F-4D97-AF65-F5344CB8AC3E}">
+        <p14:creationId xmlns:p14="http://schemas.microsoft.com/office/powerpoint/2010/main" val="1202887223"/>
       </p:ext>
     </p:extLst>
   </p:cSld>
@@ -3606,7 +5734,7 @@
           <p:cNvPr id="2" name="Titel 1">
             <a:extLst>
               <a:ext uri="{FF2B5EF4-FFF2-40B4-BE49-F238E27FC236}">
-                <a16:creationId xmlns:a16="http://schemas.microsoft.com/office/drawing/2014/main" id="{B625AD39-2F13-4E62-9CA1-37B1A07894B4}"/>
+                <a16:creationId xmlns:a16="http://schemas.microsoft.com/office/drawing/2014/main" id="{434891AE-58F3-4851-933A-B2C7B969B36D}"/>
               </a:ext>
             </a:extLst>
           </p:cNvPr>
@@ -3624,7 +5752,7 @@
           <a:p>
             <a:r>
               <a:rPr lang="de-DE" dirty="0"/>
-              <a:t>Speichern/Laden</a:t>
+              <a:t>Lösungsansatz</a:t>
             </a:r>
           </a:p>
         </p:txBody>
@@ -3634,7 +5762,7 @@
           <p:cNvPr id="3" name="Inhaltsplatzhalter 2">
             <a:extLst>
               <a:ext uri="{FF2B5EF4-FFF2-40B4-BE49-F238E27FC236}">
-                <a16:creationId xmlns:a16="http://schemas.microsoft.com/office/drawing/2014/main" id="{74384AEB-5439-4CB2-BCE8-F111254CDC14}"/>
+                <a16:creationId xmlns:a16="http://schemas.microsoft.com/office/drawing/2014/main" id="{A9663A1B-2E7E-40FE-8426-7D85945807DA}"/>
               </a:ext>
             </a:extLst>
           </p:cNvPr>
@@ -3652,40 +5780,27 @@
           <a:p>
             <a:r>
               <a:rPr lang="de-DE" dirty="0"/>
-              <a:t>Zentrale Klasse als Schnittstelle des ganzen Prozesses</a:t>
-            </a:r>
-          </a:p>
-          <a:p>
-            <a:r>
-              <a:rPr lang="de-DE" dirty="0"/>
-              <a:t>Merken des letzten Zustandes in einer </a:t>
-            </a:r>
-            <a:r>
-              <a:rPr lang="de-DE" dirty="0" err="1"/>
-              <a:t>Map</a:t>
-            </a:r>
-            <a:r>
-              <a:rPr lang="de-DE" dirty="0"/>
-              <a:t>: String -&gt; Spielstand</a:t>
-            </a:r>
-          </a:p>
-          <a:p>
-            <a:r>
-              <a:rPr lang="de-DE" dirty="0"/>
-              <a:t>Objekt in Datei speichern per </a:t>
-            </a:r>
-            <a:r>
-              <a:rPr lang="de-DE" dirty="0" err="1"/>
-              <a:t>ObjectOutputStream</a:t>
-            </a:r>
-            <a:endParaRPr lang="de-DE" dirty="0"/>
+              <a:t>Server prüft bei jeder Karte auf Duplikate</a:t>
+            </a:r>
+          </a:p>
+          <a:p>
+            <a:r>
+              <a:rPr lang="de-DE" dirty="0"/>
+              <a:t>Bei Duplikaten wird das Spiel abgebrochen</a:t>
+            </a:r>
+          </a:p>
+          <a:p>
+            <a:r>
+              <a:rPr lang="de-DE" dirty="0"/>
+              <a:t>Clients müssen sich erneut verbinden und ein neues Spiel starten</a:t>
+            </a:r>
           </a:p>
         </p:txBody>
       </p:sp>
     </p:spTree>
     <p:extLst>
       <p:ext uri="{BB962C8B-B14F-4D97-AF65-F5344CB8AC3E}">
-        <p14:creationId xmlns:p14="http://schemas.microsoft.com/office/powerpoint/2010/main" val="2442178457"/>
+        <p14:creationId xmlns:p14="http://schemas.microsoft.com/office/powerpoint/2010/main" val="2307533938"/>
       </p:ext>
     </p:extLst>
   </p:cSld>
@@ -3714,6 +5829,308 @@
       </p:grpSpPr>
       <p:pic>
         <p:nvPicPr>
+          <p:cNvPr id="9" name="Inhaltsplatzhalter 8">
+            <a:extLst>
+              <a:ext uri="{FF2B5EF4-FFF2-40B4-BE49-F238E27FC236}">
+                <a16:creationId xmlns:a16="http://schemas.microsoft.com/office/drawing/2014/main" id="{A9D8A2FE-F846-4102-89A1-6D6C6B6C2AF1}"/>
+              </a:ext>
+            </a:extLst>
+          </p:cNvPr>
+          <p:cNvPicPr>
+            <a:picLocks noGrp="1" noChangeAspect="1"/>
+          </p:cNvPicPr>
+          <p:nvPr>
+            <p:ph idx="1"/>
+          </p:nvPr>
+        </p:nvPicPr>
+        <p:blipFill>
+          <a:blip r:embed="rId2">
+            <a:extLst>
+              <a:ext uri="{28A0092B-C50C-407E-A947-70E740481C1C}">
+                <a14:useLocalDpi xmlns:a14="http://schemas.microsoft.com/office/drawing/2010/main" val="0"/>
+              </a:ext>
+            </a:extLst>
+          </a:blip>
+          <a:stretch>
+            <a:fillRect/>
+          </a:stretch>
+        </p:blipFill>
+        <p:spPr>
+          <a:xfrm>
+            <a:off x="4068511" y="0"/>
+            <a:ext cx="4054978" cy="6684571"/>
+          </a:xfrm>
+        </p:spPr>
+      </p:pic>
+    </p:spTree>
+    <p:extLst>
+      <p:ext uri="{BB962C8B-B14F-4D97-AF65-F5344CB8AC3E}">
+        <p14:creationId xmlns:p14="http://schemas.microsoft.com/office/powerpoint/2010/main" val="1368377792"/>
+      </p:ext>
+    </p:extLst>
+  </p:cSld>
+  <p:clrMapOvr>
+    <a:masterClrMapping/>
+  </p:clrMapOvr>
+</p:sld>
+</file>
+
+<file path=ppt/slides/slide4.xml><?xml version="1.0" encoding="utf-8"?>
+<p:sld xmlns:a="http://schemas.openxmlformats.org/drawingml/2006/main" xmlns:r="http://schemas.openxmlformats.org/officeDocument/2006/relationships" xmlns:p="http://schemas.openxmlformats.org/presentationml/2006/main">
+  <p:cSld>
+    <p:spTree>
+      <p:nvGrpSpPr>
+        <p:cNvPr id="1" name=""/>
+        <p:cNvGrpSpPr/>
+        <p:nvPr/>
+      </p:nvGrpSpPr>
+      <p:grpSpPr>
+        <a:xfrm>
+          <a:off x="0" y="0"/>
+          <a:ext cx="0" cy="0"/>
+          <a:chOff x="0" y="0"/>
+          <a:chExt cx="0" cy="0"/>
+        </a:xfrm>
+      </p:grpSpPr>
+      <p:sp>
+        <p:nvSpPr>
+          <p:cNvPr id="2" name="Titel 1">
+            <a:extLst>
+              <a:ext uri="{FF2B5EF4-FFF2-40B4-BE49-F238E27FC236}">
+                <a16:creationId xmlns:a16="http://schemas.microsoft.com/office/drawing/2014/main" id="{EFA08044-3C4F-4384-86CC-B089C21D9A45}"/>
+              </a:ext>
+            </a:extLst>
+          </p:cNvPr>
+          <p:cNvSpPr>
+            <a:spLocks noGrp="1"/>
+          </p:cNvSpPr>
+          <p:nvPr>
+            <p:ph type="title"/>
+          </p:nvPr>
+        </p:nvSpPr>
+        <p:spPr/>
+        <p:txBody>
+          <a:bodyPr/>
+          <a:lstStyle/>
+          <a:p>
+            <a:r>
+              <a:rPr lang="de-DE" dirty="0"/>
+              <a:t>Pflichtmodul: Spielerkonto</a:t>
+            </a:r>
+          </a:p>
+        </p:txBody>
+      </p:sp>
+      <p:sp>
+        <p:nvSpPr>
+          <p:cNvPr id="3" name="Inhaltsplatzhalter 2">
+            <a:extLst>
+              <a:ext uri="{FF2B5EF4-FFF2-40B4-BE49-F238E27FC236}">
+                <a16:creationId xmlns:a16="http://schemas.microsoft.com/office/drawing/2014/main" id="{75CA91B2-3B3E-482F-AA8D-D5BF9325A2A9}"/>
+              </a:ext>
+            </a:extLst>
+          </p:cNvPr>
+          <p:cNvSpPr>
+            <a:spLocks noGrp="1"/>
+          </p:cNvSpPr>
+          <p:nvPr>
+            <p:ph idx="1"/>
+          </p:nvPr>
+        </p:nvSpPr>
+        <p:spPr/>
+        <p:txBody>
+          <a:bodyPr/>
+          <a:lstStyle/>
+          <a:p>
+            <a:pPr marL="0" indent="0">
+              <a:buNone/>
+            </a:pPr>
+            <a:r>
+              <a:rPr lang="de-DE" dirty="0" err="1"/>
+              <a:t>Aufbrechung</a:t>
+            </a:r>
+            <a:r>
+              <a:rPr lang="de-DE" dirty="0"/>
+              <a:t> in 2 Teilaufgaben:</a:t>
+            </a:r>
+          </a:p>
+          <a:p>
+            <a:pPr marL="0" indent="0">
+              <a:buNone/>
+            </a:pPr>
+            <a:endParaRPr lang="de-DE" dirty="0"/>
+          </a:p>
+          <a:p>
+            <a:pPr marL="514350" indent="-514350">
+              <a:buFont typeface="+mj-lt"/>
+              <a:buAutoNum type="arabicPeriod"/>
+            </a:pPr>
+            <a:r>
+              <a:rPr lang="de-DE" dirty="0"/>
+              <a:t>Speichern/Laden der letzten gespielten Kartenreihenfolge</a:t>
+            </a:r>
+          </a:p>
+          <a:p>
+            <a:pPr marL="514350" indent="-514350">
+              <a:buFont typeface="+mj-lt"/>
+              <a:buAutoNum type="arabicPeriod"/>
+            </a:pPr>
+            <a:endParaRPr lang="de-DE" dirty="0"/>
+          </a:p>
+          <a:p>
+            <a:pPr marL="514350" indent="-514350">
+              <a:buFont typeface="+mj-lt"/>
+              <a:buAutoNum type="arabicPeriod"/>
+            </a:pPr>
+            <a:r>
+              <a:rPr lang="de-DE" dirty="0"/>
+              <a:t>Keine doppelten Spielernamen in einem Spiel</a:t>
+            </a:r>
+          </a:p>
+        </p:txBody>
+      </p:sp>
+    </p:spTree>
+    <p:extLst>
+      <p:ext uri="{BB962C8B-B14F-4D97-AF65-F5344CB8AC3E}">
+        <p14:creationId xmlns:p14="http://schemas.microsoft.com/office/powerpoint/2010/main" val="305076392"/>
+      </p:ext>
+    </p:extLst>
+  </p:cSld>
+  <p:clrMapOvr>
+    <a:masterClrMapping/>
+  </p:clrMapOvr>
+</p:sld>
+</file>
+
+<file path=ppt/slides/slide5.xml><?xml version="1.0" encoding="utf-8"?>
+<p:sld xmlns:a="http://schemas.openxmlformats.org/drawingml/2006/main" xmlns:r="http://schemas.openxmlformats.org/officeDocument/2006/relationships" xmlns:p="http://schemas.openxmlformats.org/presentationml/2006/main">
+  <p:cSld>
+    <p:spTree>
+      <p:nvGrpSpPr>
+        <p:cNvPr id="1" name=""/>
+        <p:cNvGrpSpPr/>
+        <p:nvPr/>
+      </p:nvGrpSpPr>
+      <p:grpSpPr>
+        <a:xfrm>
+          <a:off x="0" y="0"/>
+          <a:ext cx="0" cy="0"/>
+          <a:chOff x="0" y="0"/>
+          <a:chExt cx="0" cy="0"/>
+        </a:xfrm>
+      </p:grpSpPr>
+      <p:sp>
+        <p:nvSpPr>
+          <p:cNvPr id="2" name="Titel 1">
+            <a:extLst>
+              <a:ext uri="{FF2B5EF4-FFF2-40B4-BE49-F238E27FC236}">
+                <a16:creationId xmlns:a16="http://schemas.microsoft.com/office/drawing/2014/main" id="{B625AD39-2F13-4E62-9CA1-37B1A07894B4}"/>
+              </a:ext>
+            </a:extLst>
+          </p:cNvPr>
+          <p:cNvSpPr>
+            <a:spLocks noGrp="1"/>
+          </p:cNvSpPr>
+          <p:nvPr>
+            <p:ph type="title"/>
+          </p:nvPr>
+        </p:nvSpPr>
+        <p:spPr/>
+        <p:txBody>
+          <a:bodyPr/>
+          <a:lstStyle/>
+          <a:p>
+            <a:r>
+              <a:rPr lang="de-DE" dirty="0"/>
+              <a:t>Speichern/Laden</a:t>
+            </a:r>
+          </a:p>
+        </p:txBody>
+      </p:sp>
+      <p:sp>
+        <p:nvSpPr>
+          <p:cNvPr id="3" name="Inhaltsplatzhalter 2">
+            <a:extLst>
+              <a:ext uri="{FF2B5EF4-FFF2-40B4-BE49-F238E27FC236}">
+                <a16:creationId xmlns:a16="http://schemas.microsoft.com/office/drawing/2014/main" id="{74384AEB-5439-4CB2-BCE8-F111254CDC14}"/>
+              </a:ext>
+            </a:extLst>
+          </p:cNvPr>
+          <p:cNvSpPr>
+            <a:spLocks noGrp="1"/>
+          </p:cNvSpPr>
+          <p:nvPr>
+            <p:ph idx="1"/>
+          </p:nvPr>
+        </p:nvSpPr>
+        <p:spPr/>
+        <p:txBody>
+          <a:bodyPr/>
+          <a:lstStyle/>
+          <a:p>
+            <a:r>
+              <a:rPr lang="de-DE" dirty="0"/>
+              <a:t>Zentrale Klasse als Schnittstelle des ganzen Prozesses</a:t>
+            </a:r>
+          </a:p>
+          <a:p>
+            <a:r>
+              <a:rPr lang="de-DE" dirty="0"/>
+              <a:t>Merken des letzten Zustandes in einer </a:t>
+            </a:r>
+            <a:r>
+              <a:rPr lang="de-DE" dirty="0" err="1"/>
+              <a:t>Map</a:t>
+            </a:r>
+            <a:r>
+              <a:rPr lang="de-DE" dirty="0"/>
+              <a:t>: String -&gt; Spielstand</a:t>
+            </a:r>
+          </a:p>
+          <a:p>
+            <a:r>
+              <a:rPr lang="de-DE" dirty="0"/>
+              <a:t>Objekt in Datei speichern per </a:t>
+            </a:r>
+            <a:r>
+              <a:rPr lang="de-DE" dirty="0" err="1"/>
+              <a:t>ObjectOutputStream</a:t>
+            </a:r>
+            <a:endParaRPr lang="de-DE" dirty="0"/>
+          </a:p>
+        </p:txBody>
+      </p:sp>
+    </p:spTree>
+    <p:extLst>
+      <p:ext uri="{BB962C8B-B14F-4D97-AF65-F5344CB8AC3E}">
+        <p14:creationId xmlns:p14="http://schemas.microsoft.com/office/powerpoint/2010/main" val="2442178457"/>
+      </p:ext>
+    </p:extLst>
+  </p:cSld>
+  <p:clrMapOvr>
+    <a:masterClrMapping/>
+  </p:clrMapOvr>
+</p:sld>
+</file>
+
+<file path=ppt/slides/slide6.xml><?xml version="1.0" encoding="utf-8"?>
+<p:sld xmlns:a="http://schemas.openxmlformats.org/drawingml/2006/main" xmlns:r="http://schemas.openxmlformats.org/officeDocument/2006/relationships" xmlns:p="http://schemas.openxmlformats.org/presentationml/2006/main">
+  <p:cSld>
+    <p:spTree>
+      <p:nvGrpSpPr>
+        <p:cNvPr id="1" name=""/>
+        <p:cNvGrpSpPr/>
+        <p:nvPr/>
+      </p:nvGrpSpPr>
+      <p:grpSpPr>
+        <a:xfrm>
+          <a:off x="0" y="0"/>
+          <a:ext cx="0" cy="0"/>
+          <a:chOff x="0" y="0"/>
+          <a:chExt cx="0" cy="0"/>
+        </a:xfrm>
+      </p:grpSpPr>
+      <p:pic>
+        <p:nvPicPr>
           <p:cNvPr id="9" name="Grafik 8" descr="Ein Bild, das Screenshot enthält.&#10;&#10;Automatisch generierte Beschreibung">
             <a:extLst>
               <a:ext uri="{FF2B5EF4-FFF2-40B4-BE49-F238E27FC236}">
@@ -3761,7 +6178,7 @@
 </p:sld>
 </file>
 
-<file path=ppt/slides/slide4.xml><?xml version="1.0" encoding="utf-8"?>
+<file path=ppt/slides/slide7.xml><?xml version="1.0" encoding="utf-8"?>
 <p:sld xmlns:a="http://schemas.openxmlformats.org/drawingml/2006/main" xmlns:r="http://schemas.openxmlformats.org/officeDocument/2006/relationships" xmlns:p="http://schemas.openxmlformats.org/presentationml/2006/main">
   <p:cSld>
     <p:spTree>
@@ -3924,371 +6341,6 @@
     <p:extLst>
       <p:ext uri="{BB962C8B-B14F-4D97-AF65-F5344CB8AC3E}">
         <p14:creationId xmlns:p14="http://schemas.microsoft.com/office/powerpoint/2010/main" val="1887552796"/>
-      </p:ext>
-    </p:extLst>
-  </p:cSld>
-  <p:clrMapOvr>
-    <a:masterClrMapping/>
-  </p:clrMapOvr>
-</p:sld>
-</file>
-
-<file path=ppt/slides/slide5.xml><?xml version="1.0" encoding="utf-8"?>
-<p:sld xmlns:a="http://schemas.openxmlformats.org/drawingml/2006/main" xmlns:r="http://schemas.openxmlformats.org/officeDocument/2006/relationships" xmlns:p="http://schemas.openxmlformats.org/presentationml/2006/main">
-  <p:cSld>
-    <p:spTree>
-      <p:nvGrpSpPr>
-        <p:cNvPr id="1" name=""/>
-        <p:cNvGrpSpPr/>
-        <p:nvPr/>
-      </p:nvGrpSpPr>
-      <p:grpSpPr>
-        <a:xfrm>
-          <a:off x="0" y="0"/>
-          <a:ext cx="0" cy="0"/>
-          <a:chOff x="0" y="0"/>
-          <a:chExt cx="0" cy="0"/>
-        </a:xfrm>
-      </p:grpSpPr>
-      <p:sp>
-        <p:nvSpPr>
-          <p:cNvPr id="2" name="Titel 1">
-            <a:extLst>
-              <a:ext uri="{FF2B5EF4-FFF2-40B4-BE49-F238E27FC236}">
-                <a16:creationId xmlns:a16="http://schemas.microsoft.com/office/drawing/2014/main" id="{1226FA41-6946-43F4-BFD7-E6E98DB48F54}"/>
-              </a:ext>
-            </a:extLst>
-          </p:cNvPr>
-          <p:cNvSpPr>
-            <a:spLocks noGrp="1"/>
-          </p:cNvSpPr>
-          <p:nvPr>
-            <p:ph type="title"/>
-          </p:nvPr>
-        </p:nvSpPr>
-        <p:spPr/>
-        <p:txBody>
-          <a:bodyPr/>
-          <a:lstStyle/>
-          <a:p>
-            <a:r>
-              <a:rPr lang="de-DE" dirty="0"/>
-              <a:t>Spielernamen Prüfung</a:t>
-            </a:r>
-          </a:p>
-        </p:txBody>
-      </p:sp>
-      <p:sp>
-        <p:nvSpPr>
-          <p:cNvPr id="3" name="Inhaltsplatzhalter 2">
-            <a:extLst>
-              <a:ext uri="{FF2B5EF4-FFF2-40B4-BE49-F238E27FC236}">
-                <a16:creationId xmlns:a16="http://schemas.microsoft.com/office/drawing/2014/main" id="{FC2CDB24-5D97-49E6-8147-A73818634CBD}"/>
-              </a:ext>
-            </a:extLst>
-          </p:cNvPr>
-          <p:cNvSpPr>
-            <a:spLocks noGrp="1"/>
-          </p:cNvSpPr>
-          <p:nvPr>
-            <p:ph idx="1"/>
-          </p:nvPr>
-        </p:nvSpPr>
-        <p:spPr/>
-        <p:txBody>
-          <a:bodyPr/>
-          <a:lstStyle/>
-          <a:p>
-            <a:r>
-              <a:rPr lang="de-DE" dirty="0"/>
-              <a:t>Namen frühestens bei Registrierung verfügbar</a:t>
-            </a:r>
-          </a:p>
-          <a:p>
-            <a:r>
-              <a:rPr lang="de-DE" dirty="0"/>
-              <a:t>Prüfe ob Name bereits in Session registriert</a:t>
-            </a:r>
-          </a:p>
-          <a:p>
-            <a:r>
-              <a:rPr lang="de-DE" dirty="0"/>
-              <a:t>Sende DISCONNECTED Signal zu Client falls Name schon vergeben</a:t>
-            </a:r>
-          </a:p>
-        </p:txBody>
-      </p:sp>
-    </p:spTree>
-    <p:extLst>
-      <p:ext uri="{BB962C8B-B14F-4D97-AF65-F5344CB8AC3E}">
-        <p14:creationId xmlns:p14="http://schemas.microsoft.com/office/powerpoint/2010/main" val="1571083125"/>
-      </p:ext>
-    </p:extLst>
-  </p:cSld>
-  <p:clrMapOvr>
-    <a:masterClrMapping/>
-  </p:clrMapOvr>
-</p:sld>
-</file>
-
-<file path=ppt/slides/slide6.xml><?xml version="1.0" encoding="utf-8"?>
-<p:sld xmlns:a="http://schemas.openxmlformats.org/drawingml/2006/main" xmlns:r="http://schemas.openxmlformats.org/officeDocument/2006/relationships" xmlns:p="http://schemas.openxmlformats.org/presentationml/2006/main">
-  <p:cSld>
-    <p:spTree>
-      <p:nvGrpSpPr>
-        <p:cNvPr id="1" name=""/>
-        <p:cNvGrpSpPr/>
-        <p:nvPr/>
-      </p:nvGrpSpPr>
-      <p:grpSpPr>
-        <a:xfrm>
-          <a:off x="0" y="0"/>
-          <a:ext cx="0" cy="0"/>
-          <a:chOff x="0" y="0"/>
-          <a:chExt cx="0" cy="0"/>
-        </a:xfrm>
-      </p:grpSpPr>
-      <p:sp>
-        <p:nvSpPr>
-          <p:cNvPr id="2" name="Titel 1">
-            <a:extLst>
-              <a:ext uri="{FF2B5EF4-FFF2-40B4-BE49-F238E27FC236}">
-                <a16:creationId xmlns:a16="http://schemas.microsoft.com/office/drawing/2014/main" id="{CED8B1B2-406F-46FD-A3CF-267C8BADE078}"/>
-              </a:ext>
-            </a:extLst>
-          </p:cNvPr>
-          <p:cNvSpPr>
-            <a:spLocks noGrp="1"/>
-          </p:cNvSpPr>
-          <p:nvPr>
-            <p:ph type="title"/>
-          </p:nvPr>
-        </p:nvSpPr>
-        <p:spPr/>
-        <p:txBody>
-          <a:bodyPr/>
-          <a:lstStyle/>
-          <a:p>
-            <a:r>
-              <a:rPr lang="de-DE" dirty="0"/>
-              <a:t>Probleme</a:t>
-            </a:r>
-          </a:p>
-        </p:txBody>
-      </p:sp>
-      <p:sp>
-        <p:nvSpPr>
-          <p:cNvPr id="3" name="Inhaltsplatzhalter 2">
-            <a:extLst>
-              <a:ext uri="{FF2B5EF4-FFF2-40B4-BE49-F238E27FC236}">
-                <a16:creationId xmlns:a16="http://schemas.microsoft.com/office/drawing/2014/main" id="{113F0914-6BC0-4758-8195-E64E533D17F9}"/>
-              </a:ext>
-            </a:extLst>
-          </p:cNvPr>
-          <p:cNvSpPr>
-            <a:spLocks noGrp="1"/>
-          </p:cNvSpPr>
-          <p:nvPr>
-            <p:ph idx="1"/>
-          </p:nvPr>
-        </p:nvSpPr>
-        <p:spPr/>
-        <p:txBody>
-          <a:bodyPr/>
-          <a:lstStyle/>
-          <a:p>
-            <a:r>
-              <a:rPr lang="de-DE" dirty="0"/>
-              <a:t>Registrierung der </a:t>
-            </a:r>
-            <a:r>
-              <a:rPr lang="de-DE" dirty="0" err="1"/>
-              <a:t>Clienten</a:t>
-            </a:r>
-            <a:r>
-              <a:rPr lang="de-DE" dirty="0"/>
-              <a:t> findet gleichzeitig statt</a:t>
-            </a:r>
-          </a:p>
-          <a:p>
-            <a:pPr lvl="1"/>
-            <a:r>
-              <a:rPr lang="de-DE" dirty="0"/>
-              <a:t>Referenz an Session immer leer</a:t>
-            </a:r>
-          </a:p>
-          <a:p>
-            <a:pPr lvl="1"/>
-            <a:r>
-              <a:rPr lang="de-DE" dirty="0" err="1"/>
-              <a:t>Clienten</a:t>
-            </a:r>
-            <a:r>
-              <a:rPr lang="de-DE" dirty="0"/>
-              <a:t> werden immer registriert</a:t>
-            </a:r>
-          </a:p>
-          <a:p>
-            <a:r>
-              <a:rPr lang="de-DE" dirty="0"/>
-              <a:t>Spielerzahl wird verringert</a:t>
-            </a:r>
-          </a:p>
-          <a:p>
-            <a:pPr lvl="1"/>
-            <a:r>
-              <a:rPr lang="de-DE" dirty="0"/>
-              <a:t>Session verliert den Spieler der nicht registriert wird</a:t>
-            </a:r>
-          </a:p>
-          <a:p>
-            <a:pPr lvl="1"/>
-            <a:r>
-              <a:rPr lang="de-DE" dirty="0"/>
-              <a:t>Spieler werden nicht aufgefüllt</a:t>
-            </a:r>
-          </a:p>
-        </p:txBody>
-      </p:sp>
-    </p:spTree>
-    <p:extLst>
-      <p:ext uri="{BB962C8B-B14F-4D97-AF65-F5344CB8AC3E}">
-        <p14:creationId xmlns:p14="http://schemas.microsoft.com/office/powerpoint/2010/main" val="1242322385"/>
-      </p:ext>
-    </p:extLst>
-  </p:cSld>
-  <p:clrMapOvr>
-    <a:masterClrMapping/>
-  </p:clrMapOvr>
-</p:sld>
-</file>
-
-<file path=ppt/slides/slide7.xml><?xml version="1.0" encoding="utf-8"?>
-<p:sld xmlns:a="http://schemas.openxmlformats.org/drawingml/2006/main" xmlns:r="http://schemas.openxmlformats.org/officeDocument/2006/relationships" xmlns:p="http://schemas.openxmlformats.org/presentationml/2006/main">
-  <p:cSld>
-    <p:spTree>
-      <p:nvGrpSpPr>
-        <p:cNvPr id="1" name=""/>
-        <p:cNvGrpSpPr/>
-        <p:nvPr/>
-      </p:nvGrpSpPr>
-      <p:grpSpPr>
-        <a:xfrm>
-          <a:off x="0" y="0"/>
-          <a:ext cx="0" cy="0"/>
-          <a:chOff x="0" y="0"/>
-          <a:chExt cx="0" cy="0"/>
-        </a:xfrm>
-      </p:grpSpPr>
-      <p:sp>
-        <p:nvSpPr>
-          <p:cNvPr id="2" name="Titel 1">
-            <a:extLst>
-              <a:ext uri="{FF2B5EF4-FFF2-40B4-BE49-F238E27FC236}">
-                <a16:creationId xmlns:a16="http://schemas.microsoft.com/office/drawing/2014/main" id="{3BB7F9E1-62E5-47C6-AA74-10DE20935323}"/>
-              </a:ext>
-            </a:extLst>
-          </p:cNvPr>
-          <p:cNvSpPr>
-            <a:spLocks noGrp="1"/>
-          </p:cNvSpPr>
-          <p:nvPr>
-            <p:ph type="title"/>
-          </p:nvPr>
-        </p:nvSpPr>
-        <p:spPr/>
-        <p:txBody>
-          <a:bodyPr/>
-          <a:lstStyle/>
-          <a:p>
-            <a:r>
-              <a:rPr lang="de-DE" dirty="0"/>
-              <a:t>Neuer Ansatz</a:t>
-            </a:r>
-          </a:p>
-        </p:txBody>
-      </p:sp>
-      <p:sp>
-        <p:nvSpPr>
-          <p:cNvPr id="3" name="Inhaltsplatzhalter 2">
-            <a:extLst>
-              <a:ext uri="{FF2B5EF4-FFF2-40B4-BE49-F238E27FC236}">
-                <a16:creationId xmlns:a16="http://schemas.microsoft.com/office/drawing/2014/main" id="{6B8F1E45-5F29-4F19-A1A5-5838BFD3BC9E}"/>
-              </a:ext>
-            </a:extLst>
-          </p:cNvPr>
-          <p:cNvSpPr>
-            <a:spLocks noGrp="1"/>
-          </p:cNvSpPr>
-          <p:nvPr>
-            <p:ph idx="1"/>
-          </p:nvPr>
-        </p:nvSpPr>
-        <p:spPr/>
-        <p:txBody>
-          <a:bodyPr/>
-          <a:lstStyle/>
-          <a:p>
-            <a:r>
-              <a:rPr lang="de-DE" dirty="0"/>
-              <a:t>Client überträgt Spielernamen bei initialem Verbindungsaufbau</a:t>
-            </a:r>
-          </a:p>
-          <a:p>
-            <a:r>
-              <a:rPr lang="de-DE" dirty="0"/>
-              <a:t>Server sammelt Namen bei Verbindungsaufbau</a:t>
-            </a:r>
-          </a:p>
-          <a:p>
-            <a:r>
-              <a:rPr lang="de-DE" dirty="0" err="1"/>
-              <a:t>Clienten</a:t>
-            </a:r>
-            <a:r>
-              <a:rPr lang="de-DE" dirty="0"/>
-              <a:t> mit doppelten Namen werden direkt </a:t>
-            </a:r>
-            <a:r>
-              <a:rPr lang="de-DE" dirty="0" err="1"/>
-              <a:t>rejected</a:t>
-            </a:r>
-            <a:endParaRPr lang="de-DE" dirty="0"/>
-          </a:p>
-          <a:p>
-            <a:r>
-              <a:rPr lang="de-DE" dirty="0"/>
-              <a:t>Konfiguration per .</a:t>
-            </a:r>
-            <a:r>
-              <a:rPr lang="de-DE" dirty="0" err="1"/>
-              <a:t>properties</a:t>
-            </a:r>
-            <a:r>
-              <a:rPr lang="de-DE" dirty="0"/>
-              <a:t> Dateien</a:t>
-            </a:r>
-          </a:p>
-          <a:p>
-            <a:pPr lvl="1"/>
-            <a:r>
-              <a:rPr lang="de-DE" dirty="0"/>
-              <a:t>Namensprüfung kann an und abgeschaltet werden</a:t>
-            </a:r>
-          </a:p>
-          <a:p>
-            <a:pPr lvl="1"/>
-            <a:r>
-              <a:rPr lang="de-DE" dirty="0"/>
-              <a:t>Kompatibilität mit originalem Client/Server</a:t>
-            </a:r>
-          </a:p>
-        </p:txBody>
-      </p:sp>
-    </p:spTree>
-    <p:extLst>
-      <p:ext uri="{BB962C8B-B14F-4D97-AF65-F5344CB8AC3E}">
-        <p14:creationId xmlns:p14="http://schemas.microsoft.com/office/powerpoint/2010/main" val="1646090321"/>
       </p:ext>
     </p:extLst>
   </p:cSld>
@@ -4315,144 +6367,70 @@
           <a:chExt cx="0" cy="0"/>
         </a:xfrm>
       </p:grpSpPr>
-      <p:pic>
-        <p:nvPicPr>
-          <p:cNvPr id="5" name="Grafik 4">
-            <a:extLst>
-              <a:ext uri="{FF2B5EF4-FFF2-40B4-BE49-F238E27FC236}">
-                <a16:creationId xmlns:a16="http://schemas.microsoft.com/office/drawing/2014/main" id="{C6232D1A-9F76-433D-8DFF-80DF8D9B488C}"/>
-              </a:ext>
-            </a:extLst>
-          </p:cNvPr>
-          <p:cNvPicPr>
-            <a:picLocks noChangeAspect="1"/>
-          </p:cNvPicPr>
-          <p:nvPr/>
-        </p:nvPicPr>
-        <p:blipFill>
-          <a:blip r:embed="rId2">
-            <a:extLst>
-              <a:ext uri="{28A0092B-C50C-407E-A947-70E740481C1C}">
-                <a14:useLocalDpi xmlns:a14="http://schemas.microsoft.com/office/drawing/2010/main" val="0"/>
-              </a:ext>
-            </a:extLst>
-          </a:blip>
-          <a:stretch>
-            <a:fillRect/>
-          </a:stretch>
-        </p:blipFill>
-        <p:spPr>
-          <a:xfrm>
-            <a:off x="1669408" y="0"/>
-            <a:ext cx="3998589" cy="6858000"/>
-          </a:xfrm>
-          <a:prstGeom prst="rect">
-            <a:avLst/>
-          </a:prstGeom>
-        </p:spPr>
-      </p:pic>
-      <p:pic>
-        <p:nvPicPr>
-          <p:cNvPr id="7" name="Grafik 6" descr="Ein Bild, das Text enthält.&#10;&#10;Automatisch generierte Beschreibung">
-            <a:extLst>
-              <a:ext uri="{FF2B5EF4-FFF2-40B4-BE49-F238E27FC236}">
-                <a16:creationId xmlns:a16="http://schemas.microsoft.com/office/drawing/2014/main" id="{691F1D2F-CB58-42E8-B92E-481C1BB95A67}"/>
-              </a:ext>
-            </a:extLst>
-          </p:cNvPr>
-          <p:cNvPicPr>
-            <a:picLocks noChangeAspect="1"/>
-          </p:cNvPicPr>
-          <p:nvPr/>
-        </p:nvPicPr>
-        <p:blipFill>
-          <a:blip r:embed="rId3">
-            <a:extLst>
-              <a:ext uri="{28A0092B-C50C-407E-A947-70E740481C1C}">
-                <a14:useLocalDpi xmlns:a14="http://schemas.microsoft.com/office/drawing/2010/main" val="0"/>
-              </a:ext>
-            </a:extLst>
-          </a:blip>
-          <a:stretch>
-            <a:fillRect/>
-          </a:stretch>
-        </p:blipFill>
-        <p:spPr>
-          <a:xfrm>
-            <a:off x="6524005" y="0"/>
-            <a:ext cx="2713485" cy="6858000"/>
-          </a:xfrm>
-          <a:prstGeom prst="rect">
-            <a:avLst/>
-          </a:prstGeom>
-        </p:spPr>
-      </p:pic>
-      <p:sp>
-        <p:nvSpPr>
-          <p:cNvPr id="8" name="Textfeld 7">
-            <a:extLst>
-              <a:ext uri="{FF2B5EF4-FFF2-40B4-BE49-F238E27FC236}">
-                <a16:creationId xmlns:a16="http://schemas.microsoft.com/office/drawing/2014/main" id="{D036E3AF-2873-4DF7-AFD0-7457D64AB623}"/>
-              </a:ext>
-            </a:extLst>
-          </p:cNvPr>
-          <p:cNvSpPr txBox="1"/>
-          <p:nvPr/>
-        </p:nvSpPr>
-        <p:spPr>
-          <a:xfrm>
-            <a:off x="148094" y="3075057"/>
-            <a:ext cx="1521314" cy="707886"/>
-          </a:xfrm>
-          <a:prstGeom prst="rect">
-            <a:avLst/>
-          </a:prstGeom>
-          <a:noFill/>
-        </p:spPr>
-        <p:txBody>
-          <a:bodyPr wrap="none" rtlCol="0">
-            <a:spAutoFit/>
-          </a:bodyPr>
-          <a:lstStyle/>
-          <a:p>
-            <a:r>
-              <a:rPr lang="de-DE" sz="4000" dirty="0"/>
-              <a:t>Server</a:t>
-            </a:r>
-          </a:p>
-        </p:txBody>
-      </p:sp>
-      <p:sp>
-        <p:nvSpPr>
-          <p:cNvPr id="9" name="Textfeld 8">
-            <a:extLst>
-              <a:ext uri="{FF2B5EF4-FFF2-40B4-BE49-F238E27FC236}">
-                <a16:creationId xmlns:a16="http://schemas.microsoft.com/office/drawing/2014/main" id="{2BE1FE13-802B-4B71-8D66-1D54D30E7D46}"/>
-              </a:ext>
-            </a:extLst>
-          </p:cNvPr>
-          <p:cNvSpPr txBox="1"/>
-          <p:nvPr/>
-        </p:nvSpPr>
-        <p:spPr>
-          <a:xfrm>
-            <a:off x="10093498" y="3075057"/>
-            <a:ext cx="1383777" cy="707886"/>
-          </a:xfrm>
-          <a:prstGeom prst="rect">
-            <a:avLst/>
-          </a:prstGeom>
-          <a:noFill/>
-        </p:spPr>
-        <p:txBody>
-          <a:bodyPr wrap="none" rtlCol="0">
-            <a:spAutoFit/>
-          </a:bodyPr>
-          <a:lstStyle/>
-          <a:p>
-            <a:r>
-              <a:rPr lang="de-DE" sz="4000" dirty="0"/>
-              <a:t>Client</a:t>
+      <p:sp>
+        <p:nvSpPr>
+          <p:cNvPr id="2" name="Titel 1">
+            <a:extLst>
+              <a:ext uri="{FF2B5EF4-FFF2-40B4-BE49-F238E27FC236}">
+                <a16:creationId xmlns:a16="http://schemas.microsoft.com/office/drawing/2014/main" id="{1226FA41-6946-43F4-BFD7-E6E98DB48F54}"/>
+              </a:ext>
+            </a:extLst>
+          </p:cNvPr>
+          <p:cNvSpPr>
+            <a:spLocks noGrp="1"/>
+          </p:cNvSpPr>
+          <p:nvPr>
+            <p:ph type="title"/>
+          </p:nvPr>
+        </p:nvSpPr>
+        <p:spPr/>
+        <p:txBody>
+          <a:bodyPr/>
+          <a:lstStyle/>
+          <a:p>
+            <a:r>
+              <a:rPr lang="de-DE" dirty="0"/>
+              <a:t>Spielernamen Prüfung</a:t>
+            </a:r>
+          </a:p>
+        </p:txBody>
+      </p:sp>
+      <p:sp>
+        <p:nvSpPr>
+          <p:cNvPr id="3" name="Inhaltsplatzhalter 2">
+            <a:extLst>
+              <a:ext uri="{FF2B5EF4-FFF2-40B4-BE49-F238E27FC236}">
+                <a16:creationId xmlns:a16="http://schemas.microsoft.com/office/drawing/2014/main" id="{FC2CDB24-5D97-49E6-8147-A73818634CBD}"/>
+              </a:ext>
+            </a:extLst>
+          </p:cNvPr>
+          <p:cNvSpPr>
+            <a:spLocks noGrp="1"/>
+          </p:cNvSpPr>
+          <p:nvPr>
+            <p:ph idx="1"/>
+          </p:nvPr>
+        </p:nvSpPr>
+        <p:spPr/>
+        <p:txBody>
+          <a:bodyPr/>
+          <a:lstStyle/>
+          <a:p>
+            <a:r>
+              <a:rPr lang="de-DE" dirty="0"/>
+              <a:t>Namen frühestens bei Registrierung verfügbar</a:t>
+            </a:r>
+          </a:p>
+          <a:p>
+            <a:r>
+              <a:rPr lang="de-DE" dirty="0"/>
+              <a:t>Prüfe ob Name bereits in Session registriert</a:t>
+            </a:r>
+          </a:p>
+          <a:p>
+            <a:r>
+              <a:rPr lang="de-DE" dirty="0"/>
+              <a:t>Sende DISCONNECTED Signal zu Client falls Name schon vergeben</a:t>
             </a:r>
           </a:p>
         </p:txBody>
@@ -4460,7 +6438,7 @@
     </p:spTree>
     <p:extLst>
       <p:ext uri="{BB962C8B-B14F-4D97-AF65-F5344CB8AC3E}">
-        <p14:creationId xmlns:p14="http://schemas.microsoft.com/office/powerpoint/2010/main" val="3580726847"/>
+        <p14:creationId xmlns:p14="http://schemas.microsoft.com/office/powerpoint/2010/main" val="1571083125"/>
       </p:ext>
     </p:extLst>
   </p:cSld>
@@ -4492,7 +6470,7 @@
           <p:cNvPr id="2" name="Titel 1">
             <a:extLst>
               <a:ext uri="{FF2B5EF4-FFF2-40B4-BE49-F238E27FC236}">
-                <a16:creationId xmlns:a16="http://schemas.microsoft.com/office/drawing/2014/main" id="{003B94DF-DF32-4707-853E-0124AAF93CAC}"/>
+                <a16:creationId xmlns:a16="http://schemas.microsoft.com/office/drawing/2014/main" id="{CED8B1B2-406F-46FD-A3CF-267C8BADE078}"/>
               </a:ext>
             </a:extLst>
           </p:cNvPr>
@@ -4509,86 +6487,82 @@
           <a:lstStyle/>
           <a:p>
             <a:r>
+              <a:rPr lang="de-DE" dirty="0"/>
+              <a:t>Probleme</a:t>
+            </a:r>
+          </a:p>
+        </p:txBody>
+      </p:sp>
+      <p:sp>
+        <p:nvSpPr>
+          <p:cNvPr id="3" name="Inhaltsplatzhalter 2">
+            <a:extLst>
+              <a:ext uri="{FF2B5EF4-FFF2-40B4-BE49-F238E27FC236}">
+                <a16:creationId xmlns:a16="http://schemas.microsoft.com/office/drawing/2014/main" id="{113F0914-6BC0-4758-8195-E64E533D17F9}"/>
+              </a:ext>
+            </a:extLst>
+          </p:cNvPr>
+          <p:cNvSpPr>
+            <a:spLocks noGrp="1"/>
+          </p:cNvSpPr>
+          <p:nvPr>
+            <p:ph idx="1"/>
+          </p:nvPr>
+        </p:nvSpPr>
+        <p:spPr/>
+        <p:txBody>
+          <a:bodyPr/>
+          <a:lstStyle/>
+          <a:p>
+            <a:r>
+              <a:rPr lang="de-DE" dirty="0"/>
+              <a:t>Registrierung der </a:t>
+            </a:r>
+            <a:r>
               <a:rPr lang="de-DE" dirty="0" err="1"/>
-              <a:t>Optionalmodul</a:t>
-            </a:r>
-            <a:r>
-              <a:rPr lang="de-DE" dirty="0"/>
-              <a:t>: Logging</a:t>
-            </a:r>
-          </a:p>
-        </p:txBody>
-      </p:sp>
-      <p:sp>
-        <p:nvSpPr>
-          <p:cNvPr id="3" name="Inhaltsplatzhalter 2">
-            <a:extLst>
-              <a:ext uri="{FF2B5EF4-FFF2-40B4-BE49-F238E27FC236}">
-                <a16:creationId xmlns:a16="http://schemas.microsoft.com/office/drawing/2014/main" id="{974D9E67-48AD-4344-B3DB-DDC857589AA5}"/>
-              </a:ext>
-            </a:extLst>
-          </p:cNvPr>
-          <p:cNvSpPr>
-            <a:spLocks noGrp="1"/>
-          </p:cNvSpPr>
-          <p:nvPr>
-            <p:ph idx="1"/>
-          </p:nvPr>
-        </p:nvSpPr>
-        <p:spPr/>
-        <p:txBody>
-          <a:bodyPr/>
-          <a:lstStyle/>
-          <a:p>
+              <a:t>Clienten</a:t>
+            </a:r>
+            <a:r>
+              <a:rPr lang="de-DE" dirty="0"/>
+              <a:t> findet gleichzeitig statt</a:t>
+            </a:r>
+          </a:p>
+          <a:p>
+            <a:pPr lvl="1"/>
+            <a:r>
+              <a:rPr lang="de-DE" dirty="0"/>
+              <a:t>Referenz an Session immer leer</a:t>
+            </a:r>
+          </a:p>
+          <a:p>
+            <a:pPr lvl="1"/>
             <a:r>
               <a:rPr lang="de-DE" dirty="0" err="1"/>
-              <a:t>Java.util.logger</a:t>
-            </a:r>
-            <a:r>
-              <a:rPr lang="de-DE" dirty="0"/>
-              <a:t> verwendet</a:t>
-            </a:r>
-          </a:p>
-          <a:p>
-            <a:r>
-              <a:rPr lang="de-DE" dirty="0"/>
-              <a:t>Per .</a:t>
-            </a:r>
-            <a:r>
-              <a:rPr lang="de-DE" dirty="0" err="1"/>
-              <a:t>properties</a:t>
-            </a:r>
-            <a:r>
-              <a:rPr lang="de-DE" dirty="0"/>
-              <a:t> Datei konfiguriert</a:t>
-            </a:r>
-          </a:p>
-          <a:p>
-            <a:r>
-              <a:rPr lang="de-DE" dirty="0"/>
-              <a:t>System.out.println ersetzt</a:t>
+              <a:t>Clienten</a:t>
+            </a:r>
+            <a:r>
+              <a:rPr lang="de-DE" dirty="0"/>
+              <a:t> werden immer registriert</a:t>
+            </a:r>
+          </a:p>
+          <a:p>
+            <a:r>
+              <a:rPr lang="de-DE" dirty="0"/>
+              <a:t>Spielerzahl wird verringert</a:t>
             </a:r>
           </a:p>
           <a:p>
             <a:pPr lvl="1"/>
             <a:r>
               <a:rPr lang="de-DE" dirty="0"/>
-              <a:t>Unterschieden zwischen Debug-/ und Spielinformationen</a:t>
+              <a:t>Session verliert den Spieler der nicht registriert wird</a:t>
             </a:r>
           </a:p>
           <a:p>
             <a:pPr lvl="1"/>
             <a:r>
               <a:rPr lang="de-DE" dirty="0"/>
-              <a:t>Spielinformationen weiter ohne </a:t>
-            </a:r>
-            <a:r>
-              <a:rPr lang="de-DE" dirty="0" err="1"/>
-              <a:t>logger</a:t>
-            </a:r>
-            <a:r>
-              <a:rPr lang="de-DE" dirty="0"/>
-              <a:t> ausgegeben</a:t>
+              <a:t>Spieler werden nicht aufgefüllt</a:t>
             </a:r>
           </a:p>
         </p:txBody>
@@ -4596,7 +6570,7 @@
     </p:spTree>
     <p:extLst>
       <p:ext uri="{BB962C8B-B14F-4D97-AF65-F5344CB8AC3E}">
-        <p14:creationId xmlns:p14="http://schemas.microsoft.com/office/powerpoint/2010/main" val="2173208109"/>
+        <p14:creationId xmlns:p14="http://schemas.microsoft.com/office/powerpoint/2010/main" val="1242322385"/>
       </p:ext>
     </p:extLst>
   </p:cSld>
